--- a/tiemao_2019/25_jvm_toc/03.JMM与线程安全.pptx
+++ b/tiemao_2019/25_jvm_toc/03.JMM与线程安全.pptx
@@ -114,6 +114,11 @@
       </a:defRPr>
     </a:lvl9pPr>
   </p:defaultTextStyle>
+  <p:extLst>
+    <p:ext uri="{EFAFB233-063F-42B5-8137-9DF3F51BA10A}">
+      <p15:sldGuideLst xmlns:p15="http://schemas.microsoft.com/office/powerpoint/2012/main"/>
+    </p:ext>
+  </p:extLst>
 </p:presentation>
 </file>
 
@@ -167,7 +172,7 @@
           <a:noFill/>
           <a:extLst>
             <a:ext uri="{909E8E84-426E-40dd-AFC4-6F175D3DCCD1}">
-              <a14:hiddenFill xmlns:a14="http://schemas.microsoft.com/office/drawing/2010/main" xmlns="">
+              <a14:hiddenFill xmlns="" xmlns:a14="http://schemas.microsoft.com/office/drawing/2010/main">
                 <a:solidFill>
                   <a:srgbClr val="FFFFFF"/>
                 </a:solidFill>
@@ -227,7 +232,7 @@
             </a:ln>
             <a:extLst>
               <a:ext uri="{91240B29-F687-4f45-9708-019B960494DF}">
-                <a14:hiddenLine xmlns:a14="http://schemas.microsoft.com/office/drawing/2010/main" xmlns="" w="9525">
+                <a14:hiddenLine xmlns="" xmlns:a14="http://schemas.microsoft.com/office/drawing/2010/main" w="9525">
                   <a:solidFill>
                     <a:srgbClr val="000000"/>
                   </a:solidFill>
@@ -317,7 +322,7 @@
             </a:ln>
             <a:extLst>
               <a:ext uri="{91240B29-F687-4f45-9708-019B960494DF}">
-                <a14:hiddenLine xmlns:a14="http://schemas.microsoft.com/office/drawing/2010/main" xmlns="" w="9525">
+                <a14:hiddenLine xmlns="" xmlns:a14="http://schemas.microsoft.com/office/drawing/2010/main" w="9525">
                   <a:solidFill>
                     <a:srgbClr val="000000"/>
                   </a:solidFill>
@@ -407,7 +412,7 @@
             </a:ln>
             <a:extLst>
               <a:ext uri="{91240B29-F687-4f45-9708-019B960494DF}">
-                <a14:hiddenLine xmlns:a14="http://schemas.microsoft.com/office/drawing/2010/main" xmlns="" w="9525">
+                <a14:hiddenLine xmlns="" xmlns:a14="http://schemas.microsoft.com/office/drawing/2010/main" w="9525">
                   <a:solidFill>
                     <a:srgbClr val="000000"/>
                   </a:solidFill>
@@ -441,7 +446,7 @@
             </a:ln>
             <a:extLst>
               <a:ext uri="{91240B29-F687-4f45-9708-019B960494DF}">
-                <a14:hiddenLine xmlns:a14="http://schemas.microsoft.com/office/drawing/2010/main" xmlns="" w="9525">
+                <a14:hiddenLine xmlns="" xmlns:a14="http://schemas.microsoft.com/office/drawing/2010/main" w="9525">
                   <a:solidFill>
                     <a:srgbClr val="000000"/>
                   </a:solidFill>
@@ -531,7 +536,7 @@
             </a:ln>
             <a:extLst>
               <a:ext uri="{91240B29-F687-4f45-9708-019B960494DF}">
-                <a14:hiddenLine xmlns:a14="http://schemas.microsoft.com/office/drawing/2010/main" xmlns="" w="9525">
+                <a14:hiddenLine xmlns="" xmlns:a14="http://schemas.microsoft.com/office/drawing/2010/main" w="9525">
                   <a:solidFill>
                     <a:srgbClr val="000000"/>
                   </a:solidFill>
@@ -593,7 +598,7 @@
             </a:ln>
             <a:extLst>
               <a:ext uri="{91240B29-F687-4f45-9708-019B960494DF}">
-                <a14:hiddenLine xmlns:a14="http://schemas.microsoft.com/office/drawing/2010/main" xmlns="" w="9525">
+                <a14:hiddenLine xmlns="" xmlns:a14="http://schemas.microsoft.com/office/drawing/2010/main" w="9525">
                   <a:solidFill>
                     <a:srgbClr val="000000"/>
                   </a:solidFill>
@@ -655,7 +660,7 @@
             </a:ln>
             <a:extLst>
               <a:ext uri="{91240B29-F687-4f45-9708-019B960494DF}">
-                <a14:hiddenLine xmlns:a14="http://schemas.microsoft.com/office/drawing/2010/main" xmlns="" w="9525">
+                <a14:hiddenLine xmlns="" xmlns:a14="http://schemas.microsoft.com/office/drawing/2010/main" w="9525">
                   <a:solidFill>
                     <a:srgbClr val="000000"/>
                   </a:solidFill>
@@ -745,7 +750,7 @@
             </a:ln>
             <a:extLst>
               <a:ext uri="{91240B29-F687-4f45-9708-019B960494DF}">
-                <a14:hiddenLine xmlns:a14="http://schemas.microsoft.com/office/drawing/2010/main" xmlns="" w="9525">
+                <a14:hiddenLine xmlns="" xmlns:a14="http://schemas.microsoft.com/office/drawing/2010/main" w="9525">
                   <a:solidFill>
                     <a:srgbClr val="000000"/>
                   </a:solidFill>
@@ -807,7 +812,7 @@
             </a:ln>
             <a:extLst>
               <a:ext uri="{91240B29-F687-4f45-9708-019B960494DF}">
-                <a14:hiddenLine xmlns:a14="http://schemas.microsoft.com/office/drawing/2010/main" xmlns="" w="9525">
+                <a14:hiddenLine xmlns="" xmlns:a14="http://schemas.microsoft.com/office/drawing/2010/main" w="9525">
                   <a:solidFill>
                     <a:srgbClr val="000000"/>
                   </a:solidFill>
@@ -869,7 +874,7 @@
             </a:ln>
             <a:extLst>
               <a:ext uri="{91240B29-F687-4f45-9708-019B960494DF}">
-                <a14:hiddenLine xmlns:a14="http://schemas.microsoft.com/office/drawing/2010/main" xmlns="" w="9525">
+                <a14:hiddenLine xmlns="" xmlns:a14="http://schemas.microsoft.com/office/drawing/2010/main" w="9525">
                   <a:solidFill>
                     <a:srgbClr val="000000"/>
                   </a:solidFill>
@@ -959,7 +964,7 @@
             </a:ln>
             <a:extLst>
               <a:ext uri="{91240B29-F687-4f45-9708-019B960494DF}">
-                <a14:hiddenLine xmlns:a14="http://schemas.microsoft.com/office/drawing/2010/main" xmlns="" w="9525">
+                <a14:hiddenLine xmlns="" xmlns:a14="http://schemas.microsoft.com/office/drawing/2010/main" w="9525">
                   <a:solidFill>
                     <a:srgbClr val="000000"/>
                   </a:solidFill>
@@ -1049,7 +1054,7 @@
             </a:ln>
             <a:extLst>
               <a:ext uri="{91240B29-F687-4f45-9708-019B960494DF}">
-                <a14:hiddenLine xmlns:a14="http://schemas.microsoft.com/office/drawing/2010/main" xmlns="" w="9525">
+                <a14:hiddenLine xmlns="" xmlns:a14="http://schemas.microsoft.com/office/drawing/2010/main" w="9525">
                   <a:solidFill>
                     <a:srgbClr val="000000"/>
                   </a:solidFill>
@@ -1111,7 +1116,7 @@
             </a:ln>
             <a:extLst>
               <a:ext uri="{91240B29-F687-4f45-9708-019B960494DF}">
-                <a14:hiddenLine xmlns:a14="http://schemas.microsoft.com/office/drawing/2010/main" xmlns="" w="9525">
+                <a14:hiddenLine xmlns="" xmlns:a14="http://schemas.microsoft.com/office/drawing/2010/main" w="9525">
                   <a:solidFill>
                     <a:srgbClr val="000000"/>
                   </a:solidFill>
@@ -1221,7 +1226,7 @@
             </a:ln>
             <a:extLst>
               <a:ext uri="{91240B29-F687-4f45-9708-019B960494DF}">
-                <a14:hiddenLine xmlns:a14="http://schemas.microsoft.com/office/drawing/2010/main" xmlns="" w="9525">
+                <a14:hiddenLine xmlns="" xmlns:a14="http://schemas.microsoft.com/office/drawing/2010/main" w="9525">
                   <a:solidFill>
                     <a:srgbClr val="000000"/>
                   </a:solidFill>
@@ -1283,7 +1288,7 @@
             </a:ln>
             <a:extLst>
               <a:ext uri="{91240B29-F687-4f45-9708-019B960494DF}">
-                <a14:hiddenLine xmlns:a14="http://schemas.microsoft.com/office/drawing/2010/main" xmlns="" w="9525">
+                <a14:hiddenLine xmlns="" xmlns:a14="http://schemas.microsoft.com/office/drawing/2010/main" w="9525">
                   <a:solidFill>
                     <a:srgbClr val="000000"/>
                   </a:solidFill>
@@ -1373,7 +1378,7 @@
             </a:ln>
             <a:extLst>
               <a:ext uri="{91240B29-F687-4f45-9708-019B960494DF}">
-                <a14:hiddenLine xmlns:a14="http://schemas.microsoft.com/office/drawing/2010/main" xmlns="" w="9525">
+                <a14:hiddenLine xmlns="" xmlns:a14="http://schemas.microsoft.com/office/drawing/2010/main" w="9525">
                   <a:solidFill>
                     <a:srgbClr val="000000"/>
                   </a:solidFill>
@@ -1463,7 +1468,7 @@
             </a:ln>
             <a:extLst>
               <a:ext uri="{91240B29-F687-4f45-9708-019B960494DF}">
-                <a14:hiddenLine xmlns:a14="http://schemas.microsoft.com/office/drawing/2010/main" xmlns="" w="9525">
+                <a14:hiddenLine xmlns="" xmlns:a14="http://schemas.microsoft.com/office/drawing/2010/main" w="9525">
                   <a:solidFill>
                     <a:srgbClr val="000000"/>
                   </a:solidFill>
@@ -1525,7 +1530,7 @@
             </a:ln>
             <a:extLst>
               <a:ext uri="{91240B29-F687-4f45-9708-019B960494DF}">
-                <a14:hiddenLine xmlns:a14="http://schemas.microsoft.com/office/drawing/2010/main" xmlns="" w="9525">
+                <a14:hiddenLine xmlns="" xmlns:a14="http://schemas.microsoft.com/office/drawing/2010/main" w="9525">
                   <a:solidFill>
                     <a:srgbClr val="000000"/>
                   </a:solidFill>
@@ -1615,7 +1620,7 @@
             </a:ln>
             <a:extLst>
               <a:ext uri="{91240B29-F687-4f45-9708-019B960494DF}">
-                <a14:hiddenLine xmlns:a14="http://schemas.microsoft.com/office/drawing/2010/main" xmlns="" w="9525">
+                <a14:hiddenLine xmlns="" xmlns:a14="http://schemas.microsoft.com/office/drawing/2010/main" w="9525">
                   <a:solidFill>
                     <a:srgbClr val="000000"/>
                   </a:solidFill>
@@ -1705,7 +1710,7 @@
             </a:ln>
             <a:extLst>
               <a:ext uri="{91240B29-F687-4f45-9708-019B960494DF}">
-                <a14:hiddenLine xmlns:a14="http://schemas.microsoft.com/office/drawing/2010/main" xmlns="" w="9525">
+                <a14:hiddenLine xmlns="" xmlns:a14="http://schemas.microsoft.com/office/drawing/2010/main" w="9525">
                   <a:solidFill>
                     <a:srgbClr val="000000"/>
                   </a:solidFill>
@@ -1761,7 +1766,7 @@
             </a:ln>
             <a:extLst>
               <a:ext uri="{91240B29-F687-4f45-9708-019B960494DF}">
-                <a14:hiddenLine xmlns:a14="http://schemas.microsoft.com/office/drawing/2010/main" xmlns="" w="9525">
+                <a14:hiddenLine xmlns="" xmlns:a14="http://schemas.microsoft.com/office/drawing/2010/main" w="9525">
                   <a:solidFill>
                     <a:srgbClr val="000000"/>
                   </a:solidFill>
@@ -1851,7 +1856,7 @@
             </a:ln>
             <a:extLst>
               <a:ext uri="{91240B29-F687-4f45-9708-019B960494DF}">
-                <a14:hiddenLine xmlns:a14="http://schemas.microsoft.com/office/drawing/2010/main" xmlns="" w="9525">
+                <a14:hiddenLine xmlns="" xmlns:a14="http://schemas.microsoft.com/office/drawing/2010/main" w="9525">
                   <a:solidFill>
                     <a:srgbClr val="000000"/>
                   </a:solidFill>
@@ -1907,7 +1912,7 @@
             </a:ln>
             <a:extLst>
               <a:ext uri="{91240B29-F687-4f45-9708-019B960494DF}">
-                <a14:hiddenLine xmlns:a14="http://schemas.microsoft.com/office/drawing/2010/main" xmlns="" w="9525">
+                <a14:hiddenLine xmlns="" xmlns:a14="http://schemas.microsoft.com/office/drawing/2010/main" w="9525">
                   <a:solidFill>
                     <a:srgbClr val="000000"/>
                   </a:solidFill>
@@ -1997,7 +2002,7 @@
             </a:ln>
             <a:extLst>
               <a:ext uri="{91240B29-F687-4f45-9708-019B960494DF}">
-                <a14:hiddenLine xmlns:a14="http://schemas.microsoft.com/office/drawing/2010/main" xmlns="" w="9525">
+                <a14:hiddenLine xmlns="" xmlns:a14="http://schemas.microsoft.com/office/drawing/2010/main" w="9525">
                   <a:solidFill>
                     <a:srgbClr val="000000"/>
                   </a:solidFill>
@@ -2065,7 +2070,7 @@
             </a:ln>
             <a:extLst>
               <a:ext uri="{91240B29-F687-4f45-9708-019B960494DF}">
-                <a14:hiddenLine xmlns:a14="http://schemas.microsoft.com/office/drawing/2010/main" xmlns="" w="9525">
+                <a14:hiddenLine xmlns="" xmlns:a14="http://schemas.microsoft.com/office/drawing/2010/main" w="9525">
                   <a:solidFill>
                     <a:srgbClr val="000000"/>
                   </a:solidFill>
@@ -2155,7 +2160,7 @@
             </a:ln>
             <a:extLst>
               <a:ext uri="{91240B29-F687-4f45-9708-019B960494DF}">
-                <a14:hiddenLine xmlns:a14="http://schemas.microsoft.com/office/drawing/2010/main" xmlns="" w="9525">
+                <a14:hiddenLine xmlns="" xmlns:a14="http://schemas.microsoft.com/office/drawing/2010/main" w="9525">
                   <a:solidFill>
                     <a:srgbClr val="000000"/>
                   </a:solidFill>
@@ -2223,7 +2228,7 @@
             </a:ln>
             <a:extLst>
               <a:ext uri="{91240B29-F687-4f45-9708-019B960494DF}">
-                <a14:hiddenLine xmlns:a14="http://schemas.microsoft.com/office/drawing/2010/main" xmlns="" w="9525">
+                <a14:hiddenLine xmlns="" xmlns:a14="http://schemas.microsoft.com/office/drawing/2010/main" w="9525">
                   <a:solidFill>
                     <a:srgbClr val="000000"/>
                   </a:solidFill>
@@ -2313,7 +2318,7 @@
             </a:ln>
             <a:extLst>
               <a:ext uri="{91240B29-F687-4f45-9708-019B960494DF}">
-                <a14:hiddenLine xmlns:a14="http://schemas.microsoft.com/office/drawing/2010/main" xmlns="" w="9525">
+                <a14:hiddenLine xmlns="" xmlns:a14="http://schemas.microsoft.com/office/drawing/2010/main" w="9525">
                   <a:solidFill>
                     <a:srgbClr val="000000"/>
                   </a:solidFill>
@@ -2347,7 +2352,7 @@
             </a:ln>
             <a:extLst>
               <a:ext uri="{91240B29-F687-4f45-9708-019B960494DF}">
-                <a14:hiddenLine xmlns:a14="http://schemas.microsoft.com/office/drawing/2010/main" xmlns="" w="9525">
+                <a14:hiddenLine xmlns="" xmlns:a14="http://schemas.microsoft.com/office/drawing/2010/main" w="9525">
                   <a:solidFill>
                     <a:srgbClr val="000000"/>
                   </a:solidFill>
@@ -2437,7 +2442,7 @@
             </a:ln>
             <a:extLst>
               <a:ext uri="{91240B29-F687-4f45-9708-019B960494DF}">
-                <a14:hiddenLine xmlns:a14="http://schemas.microsoft.com/office/drawing/2010/main" xmlns="" w="9525">
+                <a14:hiddenLine xmlns="" xmlns:a14="http://schemas.microsoft.com/office/drawing/2010/main" w="9525">
                   <a:solidFill>
                     <a:srgbClr val="000000"/>
                   </a:solidFill>
@@ -2499,7 +2504,7 @@
             </a:ln>
             <a:extLst>
               <a:ext uri="{91240B29-F687-4f45-9708-019B960494DF}">
-                <a14:hiddenLine xmlns:a14="http://schemas.microsoft.com/office/drawing/2010/main" xmlns="" w="9525">
+                <a14:hiddenLine xmlns="" xmlns:a14="http://schemas.microsoft.com/office/drawing/2010/main" w="9525">
                   <a:solidFill>
                     <a:srgbClr val="000000"/>
                   </a:solidFill>
@@ -2561,7 +2566,7 @@
             </a:ln>
             <a:extLst>
               <a:ext uri="{91240B29-F687-4f45-9708-019B960494DF}">
-                <a14:hiddenLine xmlns:a14="http://schemas.microsoft.com/office/drawing/2010/main" xmlns="" w="9525">
+                <a14:hiddenLine xmlns="" xmlns:a14="http://schemas.microsoft.com/office/drawing/2010/main" w="9525">
                   <a:solidFill>
                     <a:srgbClr val="000000"/>
                   </a:solidFill>
@@ -2651,7 +2656,7 @@
             </a:ln>
             <a:extLst>
               <a:ext uri="{91240B29-F687-4f45-9708-019B960494DF}">
-                <a14:hiddenLine xmlns:a14="http://schemas.microsoft.com/office/drawing/2010/main" xmlns="" w="9525">
+                <a14:hiddenLine xmlns="" xmlns:a14="http://schemas.microsoft.com/office/drawing/2010/main" w="9525">
                   <a:solidFill>
                     <a:srgbClr val="000000"/>
                   </a:solidFill>
@@ -2719,7 +2724,7 @@
             </a:ln>
             <a:extLst>
               <a:ext uri="{91240B29-F687-4f45-9708-019B960494DF}">
-                <a14:hiddenLine xmlns:a14="http://schemas.microsoft.com/office/drawing/2010/main" xmlns="" w="9525">
+                <a14:hiddenLine xmlns="" xmlns:a14="http://schemas.microsoft.com/office/drawing/2010/main" w="9525">
                   <a:solidFill>
                     <a:srgbClr val="000000"/>
                   </a:solidFill>
@@ -2781,7 +2786,7 @@
             </a:ln>
             <a:extLst>
               <a:ext uri="{91240B29-F687-4f45-9708-019B960494DF}">
-                <a14:hiddenLine xmlns:a14="http://schemas.microsoft.com/office/drawing/2010/main" xmlns="" w="9525">
+                <a14:hiddenLine xmlns="" xmlns:a14="http://schemas.microsoft.com/office/drawing/2010/main" w="9525">
                   <a:solidFill>
                     <a:srgbClr val="000000"/>
                   </a:solidFill>
@@ -2871,7 +2876,7 @@
             </a:ln>
             <a:extLst>
               <a:ext uri="{91240B29-F687-4f45-9708-019B960494DF}">
-                <a14:hiddenLine xmlns:a14="http://schemas.microsoft.com/office/drawing/2010/main" xmlns="" w="9525">
+                <a14:hiddenLine xmlns="" xmlns:a14="http://schemas.microsoft.com/office/drawing/2010/main" w="9525">
                   <a:solidFill>
                     <a:srgbClr val="000000"/>
                   </a:solidFill>
@@ -2933,7 +2938,7 @@
             </a:ln>
             <a:extLst>
               <a:ext uri="{91240B29-F687-4f45-9708-019B960494DF}">
-                <a14:hiddenLine xmlns:a14="http://schemas.microsoft.com/office/drawing/2010/main" xmlns="" w="9525">
+                <a14:hiddenLine xmlns="" xmlns:a14="http://schemas.microsoft.com/office/drawing/2010/main" w="9525">
                   <a:solidFill>
                     <a:srgbClr val="000000"/>
                   </a:solidFill>
@@ -3023,7 +3028,7 @@
             </a:ln>
             <a:extLst>
               <a:ext uri="{91240B29-F687-4f45-9708-019B960494DF}">
-                <a14:hiddenLine xmlns:a14="http://schemas.microsoft.com/office/drawing/2010/main" xmlns="" w="9525">
+                <a14:hiddenLine xmlns="" xmlns:a14="http://schemas.microsoft.com/office/drawing/2010/main" w="9525">
                   <a:solidFill>
                     <a:srgbClr val="000000"/>
                   </a:solidFill>
@@ -3085,7 +3090,7 @@
             </a:ln>
             <a:extLst>
               <a:ext uri="{91240B29-F687-4f45-9708-019B960494DF}">
-                <a14:hiddenLine xmlns:a14="http://schemas.microsoft.com/office/drawing/2010/main" xmlns="" w="9525">
+                <a14:hiddenLine xmlns="" xmlns:a14="http://schemas.microsoft.com/office/drawing/2010/main" w="9525">
                   <a:solidFill>
                     <a:srgbClr val="000000"/>
                   </a:solidFill>
@@ -3175,7 +3180,7 @@
             </a:ln>
             <a:extLst>
               <a:ext uri="{91240B29-F687-4f45-9708-019B960494DF}">
-                <a14:hiddenLine xmlns:a14="http://schemas.microsoft.com/office/drawing/2010/main" xmlns="" w="9525">
+                <a14:hiddenLine xmlns="" xmlns:a14="http://schemas.microsoft.com/office/drawing/2010/main" w="9525">
                   <a:solidFill>
                     <a:srgbClr val="000000"/>
                   </a:solidFill>
@@ -3209,7 +3214,7 @@
             </a:ln>
             <a:extLst>
               <a:ext uri="{91240B29-F687-4f45-9708-019B960494DF}">
-                <a14:hiddenLine xmlns:a14="http://schemas.microsoft.com/office/drawing/2010/main" xmlns="" w="9525">
+                <a14:hiddenLine xmlns="" xmlns:a14="http://schemas.microsoft.com/office/drawing/2010/main" w="9525">
                   <a:solidFill>
                     <a:srgbClr val="000000"/>
                   </a:solidFill>
@@ -3274,7 +3279,7 @@
             </a:ln>
             <a:extLst>
               <a:ext uri="{91240B29-F687-4f45-9708-019B960494DF}">
-                <a14:hiddenLine xmlns:a14="http://schemas.microsoft.com/office/drawing/2010/main" xmlns="" w="9525">
+                <a14:hiddenLine xmlns="" xmlns:a14="http://schemas.microsoft.com/office/drawing/2010/main" w="9525">
                   <a:solidFill>
                     <a:srgbClr val="000000"/>
                   </a:solidFill>
@@ -3364,7 +3369,7 @@
             </a:ln>
             <a:extLst>
               <a:ext uri="{91240B29-F687-4f45-9708-019B960494DF}">
-                <a14:hiddenLine xmlns:a14="http://schemas.microsoft.com/office/drawing/2010/main" xmlns="" w="9525">
+                <a14:hiddenLine xmlns="" xmlns:a14="http://schemas.microsoft.com/office/drawing/2010/main" w="9525">
                   <a:solidFill>
                     <a:srgbClr val="000000"/>
                   </a:solidFill>
@@ -3426,7 +3431,7 @@
             </a:ln>
             <a:extLst>
               <a:ext uri="{91240B29-F687-4f45-9708-019B960494DF}">
-                <a14:hiddenLine xmlns:a14="http://schemas.microsoft.com/office/drawing/2010/main" xmlns="" w="9525">
+                <a14:hiddenLine xmlns="" xmlns:a14="http://schemas.microsoft.com/office/drawing/2010/main" w="9525">
                   <a:solidFill>
                     <a:srgbClr val="000000"/>
                   </a:solidFill>
@@ -3516,7 +3521,7 @@
             </a:ln>
             <a:extLst>
               <a:ext uri="{91240B29-F687-4f45-9708-019B960494DF}">
-                <a14:hiddenLine xmlns:a14="http://schemas.microsoft.com/office/drawing/2010/main" xmlns="" w="9525">
+                <a14:hiddenLine xmlns="" xmlns:a14="http://schemas.microsoft.com/office/drawing/2010/main" w="9525">
                   <a:solidFill>
                     <a:srgbClr val="000000"/>
                   </a:solidFill>
@@ -3606,7 +3611,7 @@
             </a:ln>
             <a:extLst>
               <a:ext uri="{91240B29-F687-4f45-9708-019B960494DF}">
-                <a14:hiddenLine xmlns:a14="http://schemas.microsoft.com/office/drawing/2010/main" xmlns="" w="9525">
+                <a14:hiddenLine xmlns="" xmlns:a14="http://schemas.microsoft.com/office/drawing/2010/main" w="9525">
                   <a:solidFill>
                     <a:srgbClr val="000000"/>
                   </a:solidFill>
@@ -3671,7 +3676,7 @@
             </a:ln>
             <a:extLst>
               <a:ext uri="{91240B29-F687-4f45-9708-019B960494DF}">
-                <a14:hiddenLine xmlns:a14="http://schemas.microsoft.com/office/drawing/2010/main" xmlns="" w="9525">
+                <a14:hiddenLine xmlns="" xmlns:a14="http://schemas.microsoft.com/office/drawing/2010/main" w="9525">
                   <a:solidFill>
                     <a:srgbClr val="000000"/>
                   </a:solidFill>
@@ -3733,7 +3738,7 @@
             </a:ln>
             <a:extLst>
               <a:ext uri="{91240B29-F687-4f45-9708-019B960494DF}">
-                <a14:hiddenLine xmlns:a14="http://schemas.microsoft.com/office/drawing/2010/main" xmlns="" w="9525">
+                <a14:hiddenLine xmlns="" xmlns:a14="http://schemas.microsoft.com/office/drawing/2010/main" w="9525">
                   <a:solidFill>
                     <a:srgbClr val="000000"/>
                   </a:solidFill>
@@ -3823,7 +3828,7 @@
             </a:ln>
             <a:extLst>
               <a:ext uri="{91240B29-F687-4f45-9708-019B960494DF}">
-                <a14:hiddenLine xmlns:a14="http://schemas.microsoft.com/office/drawing/2010/main" xmlns="" w="9525">
+                <a14:hiddenLine xmlns="" xmlns:a14="http://schemas.microsoft.com/office/drawing/2010/main" w="9525">
                   <a:solidFill>
                     <a:srgbClr val="000000"/>
                   </a:solidFill>
@@ -3913,7 +3918,7 @@
             </a:ln>
             <a:extLst>
               <a:ext uri="{91240B29-F687-4f45-9708-019B960494DF}">
-                <a14:hiddenLine xmlns:a14="http://schemas.microsoft.com/office/drawing/2010/main" xmlns="" w="9525">
+                <a14:hiddenLine xmlns="" xmlns:a14="http://schemas.microsoft.com/office/drawing/2010/main" w="9525">
                   <a:solidFill>
                     <a:srgbClr val="000000"/>
                   </a:solidFill>
@@ -3975,7 +3980,7 @@
             </a:ln>
             <a:extLst>
               <a:ext uri="{91240B29-F687-4f45-9708-019B960494DF}">
-                <a14:hiddenLine xmlns:a14="http://schemas.microsoft.com/office/drawing/2010/main" xmlns="" w="9525">
+                <a14:hiddenLine xmlns="" xmlns:a14="http://schemas.microsoft.com/office/drawing/2010/main" w="9525">
                   <a:solidFill>
                     <a:srgbClr val="000000"/>
                   </a:solidFill>
@@ -4095,7 +4100,7 @@
             </a:ln>
             <a:extLst>
               <a:ext uri="{91240B29-F687-4f45-9708-019B960494DF}">
-                <a14:hiddenLine xmlns:a14="http://schemas.microsoft.com/office/drawing/2010/main" xmlns="" w="9525">
+                <a14:hiddenLine xmlns="" xmlns:a14="http://schemas.microsoft.com/office/drawing/2010/main" w="9525">
                   <a:solidFill>
                     <a:srgbClr val="000000"/>
                   </a:solidFill>
@@ -4163,7 +4168,7 @@
             </a:ln>
             <a:extLst>
               <a:ext uri="{91240B29-F687-4f45-9708-019B960494DF}">
-                <a14:hiddenLine xmlns:a14="http://schemas.microsoft.com/office/drawing/2010/main" xmlns="" w="9525">
+                <a14:hiddenLine xmlns="" xmlns:a14="http://schemas.microsoft.com/office/drawing/2010/main" w="9525">
                   <a:solidFill>
                     <a:srgbClr val="000000"/>
                   </a:solidFill>
@@ -4253,7 +4258,7 @@
             </a:ln>
             <a:extLst>
               <a:ext uri="{91240B29-F687-4f45-9708-019B960494DF}">
-                <a14:hiddenLine xmlns:a14="http://schemas.microsoft.com/office/drawing/2010/main" xmlns="" w="9525">
+                <a14:hiddenLine xmlns="" xmlns:a14="http://schemas.microsoft.com/office/drawing/2010/main" w="9525">
                   <a:solidFill>
                     <a:srgbClr val="000000"/>
                   </a:solidFill>
@@ -4393,7 +4398,7 @@
           <a:p>
             <a:fld id="{48A87A34-81AB-432B-8DAE-1953F412C126}" type="datetimeFigureOut">
               <a:rPr lang="en-US" dirty="0"/>
-              <a:t>8/22/19</a:t>
+              <a:t>8/23/19</a:t>
             </a:fld>
             <a:endParaRPr lang="en-US" dirty="0"/>
           </a:p>
@@ -4660,7 +4665,7 @@
           <a:p>
             <a:fld id="{48A87A34-81AB-432B-8DAE-1953F412C126}" type="datetimeFigureOut">
               <a:rPr lang="en-US" dirty="0"/>
-              <a:t>8/22/19</a:t>
+              <a:t>8/23/19</a:t>
             </a:fld>
             <a:endParaRPr lang="en-US" dirty="0"/>
           </a:p>
@@ -4856,7 +4861,7 @@
           <a:p>
             <a:fld id="{48A87A34-81AB-432B-8DAE-1953F412C126}" type="datetimeFigureOut">
               <a:rPr lang="en-US" dirty="0"/>
-              <a:t>8/22/19</a:t>
+              <a:t>8/23/19</a:t>
             </a:fld>
             <a:endParaRPr lang="en-US" dirty="0"/>
           </a:p>
@@ -5124,7 +5129,7 @@
           <a:p>
             <a:fld id="{48A87A34-81AB-432B-8DAE-1953F412C126}" type="datetimeFigureOut">
               <a:rPr lang="en-US" dirty="0"/>
-              <a:t>8/22/19</a:t>
+              <a:t>8/23/19</a:t>
             </a:fld>
             <a:endParaRPr lang="en-US" dirty="0"/>
           </a:p>
@@ -5558,7 +5563,7 @@
           <a:p>
             <a:fld id="{48A87A34-81AB-432B-8DAE-1953F412C126}" type="datetimeFigureOut">
               <a:rPr lang="en-US" dirty="0"/>
-              <a:t>8/22/19</a:t>
+              <a:t>8/23/19</a:t>
             </a:fld>
             <a:endParaRPr lang="en-US" dirty="0"/>
           </a:p>
@@ -6129,7 +6134,7 @@
           <a:p>
             <a:fld id="{48A87A34-81AB-432B-8DAE-1953F412C126}" type="datetimeFigureOut">
               <a:rPr lang="en-US" dirty="0"/>
-              <a:t>8/22/19</a:t>
+              <a:t>8/23/19</a:t>
             </a:fld>
             <a:endParaRPr lang="en-US" dirty="0"/>
           </a:p>
@@ -6874,7 +6879,7 @@
           <a:p>
             <a:fld id="{48A87A34-81AB-432B-8DAE-1953F412C126}" type="datetimeFigureOut">
               <a:rPr lang="en-US" dirty="0"/>
-              <a:t>8/22/19</a:t>
+              <a:t>8/23/19</a:t>
             </a:fld>
             <a:endParaRPr lang="en-US" dirty="0"/>
           </a:p>
@@ -7015,7 +7020,7 @@
           <a:p>
             <a:fld id="{48A87A34-81AB-432B-8DAE-1953F412C126}" type="datetimeFigureOut">
               <a:rPr lang="en-US" dirty="0"/>
-              <a:t>8/22/19</a:t>
+              <a:t>8/23/19</a:t>
             </a:fld>
             <a:endParaRPr lang="en-US" dirty="0"/>
           </a:p>
@@ -7166,7 +7171,7 @@
           <a:p>
             <a:fld id="{48A87A34-81AB-432B-8DAE-1953F412C126}" type="datetimeFigureOut">
               <a:rPr lang="en-US" dirty="0"/>
-              <a:t>8/22/19</a:t>
+              <a:t>8/23/19</a:t>
             </a:fld>
             <a:endParaRPr lang="en-US" dirty="0"/>
           </a:p>
@@ -7307,7 +7312,7 @@
           <a:p>
             <a:fld id="{48A87A34-81AB-432B-8DAE-1953F412C126}" type="datetimeFigureOut">
               <a:rPr lang="en-US" dirty="0"/>
-              <a:t>8/22/19</a:t>
+              <a:t>8/23/19</a:t>
             </a:fld>
             <a:endParaRPr lang="en-US" dirty="0"/>
           </a:p>
@@ -7557,7 +7562,7 @@
           <a:p>
             <a:fld id="{48A87A34-81AB-432B-8DAE-1953F412C126}" type="datetimeFigureOut">
               <a:rPr lang="en-US" dirty="0"/>
-              <a:t>8/22/19</a:t>
+              <a:t>8/23/19</a:t>
             </a:fld>
             <a:endParaRPr lang="en-US" dirty="0"/>
           </a:p>
@@ -7736,7 +7741,7 @@
           <a:p>
             <a:fld id="{48A87A34-81AB-432B-8DAE-1953F412C126}" type="datetimeFigureOut">
               <a:rPr lang="en-US" dirty="0"/>
-              <a:t>8/22/19</a:t>
+              <a:t>8/23/19</a:t>
             </a:fld>
             <a:endParaRPr lang="en-US" dirty="0"/>
           </a:p>
@@ -8074,7 +8079,7 @@
           <a:p>
             <a:fld id="{48A87A34-81AB-432B-8DAE-1953F412C126}" type="datetimeFigureOut">
               <a:rPr lang="en-US" dirty="0"/>
-              <a:t>8/22/19</a:t>
+              <a:t>8/23/19</a:t>
             </a:fld>
             <a:endParaRPr lang="en-US" dirty="0"/>
           </a:p>
@@ -8187,7 +8192,7 @@
           <a:p>
             <a:fld id="{48A87A34-81AB-432B-8DAE-1953F412C126}" type="datetimeFigureOut">
               <a:rPr lang="en-US" dirty="0"/>
-              <a:t>8/22/19</a:t>
+              <a:t>8/23/19</a:t>
             </a:fld>
             <a:endParaRPr lang="en-US" dirty="0"/>
           </a:p>
@@ -8277,7 +8282,7 @@
           <a:p>
             <a:fld id="{48A87A34-81AB-432B-8DAE-1953F412C126}" type="datetimeFigureOut">
               <a:rPr lang="en-US" dirty="0"/>
-              <a:t>8/22/19</a:t>
+              <a:t>8/23/19</a:t>
             </a:fld>
             <a:endParaRPr lang="en-US" dirty="0"/>
           </a:p>
@@ -8502,7 +8507,7 @@
           <a:p>
             <a:fld id="{48A87A34-81AB-432B-8DAE-1953F412C126}" type="datetimeFigureOut">
               <a:rPr lang="en-US" dirty="0"/>
-              <a:t>8/22/19</a:t>
+              <a:t>8/23/19</a:t>
             </a:fld>
             <a:endParaRPr lang="en-US" dirty="0"/>
           </a:p>
@@ -8782,7 +8787,7 @@
           <a:p>
             <a:fld id="{48A87A34-81AB-432B-8DAE-1953F412C126}" type="datetimeFigureOut">
               <a:rPr lang="en-US" dirty="0"/>
-              <a:t>8/22/19</a:t>
+              <a:t>8/23/19</a:t>
             </a:fld>
             <a:endParaRPr lang="en-US" dirty="0"/>
           </a:p>
@@ -8893,7 +8898,7 @@
           <a:noFill/>
           <a:extLst>
             <a:ext uri="{909E8E84-426E-40dd-AFC4-6F175D3DCCD1}">
-              <a14:hiddenFill xmlns:a14="http://schemas.microsoft.com/office/drawing/2010/main" xmlns="">
+              <a14:hiddenFill xmlns="" xmlns:a14="http://schemas.microsoft.com/office/drawing/2010/main">
                 <a:solidFill>
                   <a:srgbClr val="FFFFFF"/>
                 </a:solidFill>
@@ -8967,7 +8972,7 @@
               </a:ln>
               <a:extLst>
                 <a:ext uri="{91240B29-F687-4f45-9708-019B960494DF}">
-                  <a14:hiddenLine xmlns:a14="http://schemas.microsoft.com/office/drawing/2010/main" xmlns="" w="9525">
+                  <a14:hiddenLine xmlns="" xmlns:a14="http://schemas.microsoft.com/office/drawing/2010/main" w="9525">
                     <a:solidFill>
                       <a:srgbClr val="000000"/>
                     </a:solidFill>
@@ -9057,7 +9062,7 @@
               </a:ln>
               <a:extLst>
                 <a:ext uri="{91240B29-F687-4f45-9708-019B960494DF}">
-                  <a14:hiddenLine xmlns:a14="http://schemas.microsoft.com/office/drawing/2010/main" xmlns="" w="9525">
+                  <a14:hiddenLine xmlns="" xmlns:a14="http://schemas.microsoft.com/office/drawing/2010/main" w="9525">
                     <a:solidFill>
                       <a:srgbClr val="000000"/>
                     </a:solidFill>
@@ -9147,7 +9152,7 @@
               </a:ln>
               <a:extLst>
                 <a:ext uri="{91240B29-F687-4f45-9708-019B960494DF}">
-                  <a14:hiddenLine xmlns:a14="http://schemas.microsoft.com/office/drawing/2010/main" xmlns="" w="9525">
+                  <a14:hiddenLine xmlns="" xmlns:a14="http://schemas.microsoft.com/office/drawing/2010/main" w="9525">
                     <a:solidFill>
                       <a:srgbClr val="000000"/>
                     </a:solidFill>
@@ -9209,7 +9214,7 @@
               </a:ln>
               <a:extLst>
                 <a:ext uri="{91240B29-F687-4f45-9708-019B960494DF}">
-                  <a14:hiddenLine xmlns:a14="http://schemas.microsoft.com/office/drawing/2010/main" xmlns="" w="9525">
+                  <a14:hiddenLine xmlns="" xmlns:a14="http://schemas.microsoft.com/office/drawing/2010/main" w="9525">
                     <a:solidFill>
                       <a:srgbClr val="000000"/>
                     </a:solidFill>
@@ -9299,7 +9304,7 @@
               </a:ln>
               <a:extLst>
                 <a:ext uri="{91240B29-F687-4f45-9708-019B960494DF}">
-                  <a14:hiddenLine xmlns:a14="http://schemas.microsoft.com/office/drawing/2010/main" xmlns="" w="9525">
+                  <a14:hiddenLine xmlns="" xmlns:a14="http://schemas.microsoft.com/office/drawing/2010/main" w="9525">
                     <a:solidFill>
                       <a:srgbClr val="000000"/>
                     </a:solidFill>
@@ -9361,7 +9366,7 @@
               </a:ln>
               <a:extLst>
                 <a:ext uri="{91240B29-F687-4f45-9708-019B960494DF}">
-                  <a14:hiddenLine xmlns:a14="http://schemas.microsoft.com/office/drawing/2010/main" xmlns="" w="9525">
+                  <a14:hiddenLine xmlns="" xmlns:a14="http://schemas.microsoft.com/office/drawing/2010/main" w="9525">
                     <a:solidFill>
                       <a:srgbClr val="000000"/>
                     </a:solidFill>
@@ -9423,7 +9428,7 @@
               </a:ln>
               <a:extLst>
                 <a:ext uri="{91240B29-F687-4f45-9708-019B960494DF}">
-                  <a14:hiddenLine xmlns:a14="http://schemas.microsoft.com/office/drawing/2010/main" xmlns="" w="9525">
+                  <a14:hiddenLine xmlns="" xmlns:a14="http://schemas.microsoft.com/office/drawing/2010/main" w="9525">
                     <a:solidFill>
                       <a:srgbClr val="000000"/>
                     </a:solidFill>
@@ -9513,7 +9518,7 @@
               </a:ln>
               <a:extLst>
                 <a:ext uri="{91240B29-F687-4f45-9708-019B960494DF}">
-                  <a14:hiddenLine xmlns:a14="http://schemas.microsoft.com/office/drawing/2010/main" xmlns="" w="9525">
+                  <a14:hiddenLine xmlns="" xmlns:a14="http://schemas.microsoft.com/office/drawing/2010/main" w="9525">
                     <a:solidFill>
                       <a:srgbClr val="000000"/>
                     </a:solidFill>
@@ -9603,7 +9608,7 @@
               </a:ln>
               <a:extLst>
                 <a:ext uri="{91240B29-F687-4f45-9708-019B960494DF}">
-                  <a14:hiddenLine xmlns:a14="http://schemas.microsoft.com/office/drawing/2010/main" xmlns="" w="9525">
+                  <a14:hiddenLine xmlns="" xmlns:a14="http://schemas.microsoft.com/office/drawing/2010/main" w="9525">
                     <a:solidFill>
                       <a:srgbClr val="000000"/>
                     </a:solidFill>
@@ -9665,7 +9670,7 @@
               </a:ln>
               <a:extLst>
                 <a:ext uri="{91240B29-F687-4f45-9708-019B960494DF}">
-                  <a14:hiddenLine xmlns:a14="http://schemas.microsoft.com/office/drawing/2010/main" xmlns="" w="9525">
+                  <a14:hiddenLine xmlns="" xmlns:a14="http://schemas.microsoft.com/office/drawing/2010/main" w="9525">
                     <a:solidFill>
                       <a:srgbClr val="000000"/>
                     </a:solidFill>
@@ -9775,7 +9780,7 @@
               </a:ln>
               <a:extLst>
                 <a:ext uri="{91240B29-F687-4f45-9708-019B960494DF}">
-                  <a14:hiddenLine xmlns:a14="http://schemas.microsoft.com/office/drawing/2010/main" xmlns="" w="9525">
+                  <a14:hiddenLine xmlns="" xmlns:a14="http://schemas.microsoft.com/office/drawing/2010/main" w="9525">
                     <a:solidFill>
                       <a:srgbClr val="000000"/>
                     </a:solidFill>
@@ -9859,7 +9864,7 @@
               </a:ln>
               <a:extLst>
                 <a:ext uri="{91240B29-F687-4f45-9708-019B960494DF}">
-                  <a14:hiddenLine xmlns:a14="http://schemas.microsoft.com/office/drawing/2010/main" xmlns="" w="9525">
+                  <a14:hiddenLine xmlns="" xmlns:a14="http://schemas.microsoft.com/office/drawing/2010/main" w="9525">
                     <a:solidFill>
                       <a:srgbClr val="000000"/>
                     </a:solidFill>
@@ -9921,7 +9926,7 @@
               </a:ln>
               <a:extLst>
                 <a:ext uri="{91240B29-F687-4f45-9708-019B960494DF}">
-                  <a14:hiddenLine xmlns:a14="http://schemas.microsoft.com/office/drawing/2010/main" xmlns="" w="9525">
+                  <a14:hiddenLine xmlns="" xmlns:a14="http://schemas.microsoft.com/office/drawing/2010/main" w="9525">
                     <a:solidFill>
                       <a:srgbClr val="000000"/>
                     </a:solidFill>
@@ -9983,7 +9988,7 @@
               </a:ln>
               <a:extLst>
                 <a:ext uri="{91240B29-F687-4f45-9708-019B960494DF}">
-                  <a14:hiddenLine xmlns:a14="http://schemas.microsoft.com/office/drawing/2010/main" xmlns="" w="9525">
+                  <a14:hiddenLine xmlns="" xmlns:a14="http://schemas.microsoft.com/office/drawing/2010/main" w="9525">
                     <a:solidFill>
                       <a:srgbClr val="000000"/>
                     </a:solidFill>
@@ -10073,7 +10078,7 @@
               </a:ln>
               <a:extLst>
                 <a:ext uri="{91240B29-F687-4f45-9708-019B960494DF}">
-                  <a14:hiddenLine xmlns:a14="http://schemas.microsoft.com/office/drawing/2010/main" xmlns="" w="9525">
+                  <a14:hiddenLine xmlns="" xmlns:a14="http://schemas.microsoft.com/office/drawing/2010/main" w="9525">
                     <a:solidFill>
                       <a:srgbClr val="000000"/>
                     </a:solidFill>
@@ -10107,7 +10112,7 @@
               </a:ln>
               <a:extLst>
                 <a:ext uri="{91240B29-F687-4f45-9708-019B960494DF}">
-                  <a14:hiddenLine xmlns:a14="http://schemas.microsoft.com/office/drawing/2010/main" xmlns="" w="9525">
+                  <a14:hiddenLine xmlns="" xmlns:a14="http://schemas.microsoft.com/office/drawing/2010/main" w="9525">
                     <a:solidFill>
                       <a:srgbClr val="000000"/>
                     </a:solidFill>
@@ -10172,7 +10177,7 @@
               </a:ln>
               <a:extLst>
                 <a:ext uri="{91240B29-F687-4f45-9708-019B960494DF}">
-                  <a14:hiddenLine xmlns:a14="http://schemas.microsoft.com/office/drawing/2010/main" xmlns="" w="9525">
+                  <a14:hiddenLine xmlns="" xmlns:a14="http://schemas.microsoft.com/office/drawing/2010/main" w="9525">
                     <a:solidFill>
                       <a:srgbClr val="000000"/>
                     </a:solidFill>
@@ -10262,7 +10267,7 @@
               </a:ln>
               <a:extLst>
                 <a:ext uri="{91240B29-F687-4f45-9708-019B960494DF}">
-                  <a14:hiddenLine xmlns:a14="http://schemas.microsoft.com/office/drawing/2010/main" xmlns="" w="9525">
+                  <a14:hiddenLine xmlns="" xmlns:a14="http://schemas.microsoft.com/office/drawing/2010/main" w="9525">
                     <a:solidFill>
                       <a:srgbClr val="000000"/>
                     </a:solidFill>
@@ -10324,7 +10329,7 @@
               </a:ln>
               <a:extLst>
                 <a:ext uri="{91240B29-F687-4f45-9708-019B960494DF}">
-                  <a14:hiddenLine xmlns:a14="http://schemas.microsoft.com/office/drawing/2010/main" xmlns="" w="9525">
+                  <a14:hiddenLine xmlns="" xmlns:a14="http://schemas.microsoft.com/office/drawing/2010/main" w="9525">
                     <a:solidFill>
                       <a:srgbClr val="000000"/>
                     </a:solidFill>
@@ -10414,7 +10419,7 @@
               </a:ln>
               <a:extLst>
                 <a:ext uri="{91240B29-F687-4f45-9708-019B960494DF}">
-                  <a14:hiddenLine xmlns:a14="http://schemas.microsoft.com/office/drawing/2010/main" xmlns="" w="9525">
+                  <a14:hiddenLine xmlns="" xmlns:a14="http://schemas.microsoft.com/office/drawing/2010/main" w="9525">
                     <a:solidFill>
                       <a:srgbClr val="000000"/>
                     </a:solidFill>
@@ -10479,7 +10484,7 @@
               </a:ln>
               <a:extLst>
                 <a:ext uri="{91240B29-F687-4f45-9708-019B960494DF}">
-                  <a14:hiddenLine xmlns:a14="http://schemas.microsoft.com/office/drawing/2010/main" xmlns="" w="9525">
+                  <a14:hiddenLine xmlns="" xmlns:a14="http://schemas.microsoft.com/office/drawing/2010/main" w="9525">
                     <a:solidFill>
                       <a:srgbClr val="000000"/>
                     </a:solidFill>
@@ -10541,7 +10546,7 @@
               </a:ln>
               <a:extLst>
                 <a:ext uri="{91240B29-F687-4f45-9708-019B960494DF}">
-                  <a14:hiddenLine xmlns:a14="http://schemas.microsoft.com/office/drawing/2010/main" xmlns="" w="9525">
+                  <a14:hiddenLine xmlns="" xmlns:a14="http://schemas.microsoft.com/office/drawing/2010/main" w="9525">
                     <a:solidFill>
                       <a:srgbClr val="000000"/>
                     </a:solidFill>
@@ -10631,7 +10636,7 @@
               </a:ln>
               <a:extLst>
                 <a:ext uri="{91240B29-F687-4f45-9708-019B960494DF}">
-                  <a14:hiddenLine xmlns:a14="http://schemas.microsoft.com/office/drawing/2010/main" xmlns="" w="9525">
+                  <a14:hiddenLine xmlns="" xmlns:a14="http://schemas.microsoft.com/office/drawing/2010/main" w="9525">
                     <a:solidFill>
                       <a:srgbClr val="000000"/>
                     </a:solidFill>
@@ -10721,7 +10726,7 @@
               </a:ln>
               <a:extLst>
                 <a:ext uri="{91240B29-F687-4f45-9708-019B960494DF}">
-                  <a14:hiddenLine xmlns:a14="http://schemas.microsoft.com/office/drawing/2010/main" xmlns="" w="9525">
+                  <a14:hiddenLine xmlns="" xmlns:a14="http://schemas.microsoft.com/office/drawing/2010/main" w="9525">
                     <a:solidFill>
                       <a:srgbClr val="000000"/>
                     </a:solidFill>
@@ -10786,7 +10791,7 @@
               </a:ln>
               <a:extLst>
                 <a:ext uri="{91240B29-F687-4f45-9708-019B960494DF}">
-                  <a14:hiddenLine xmlns:a14="http://schemas.microsoft.com/office/drawing/2010/main" xmlns="" w="9525">
+                  <a14:hiddenLine xmlns="" xmlns:a14="http://schemas.microsoft.com/office/drawing/2010/main" w="9525">
                     <a:solidFill>
                       <a:srgbClr val="000000"/>
                     </a:solidFill>
@@ -10906,7 +10911,7 @@
               </a:ln>
               <a:extLst>
                 <a:ext uri="{91240B29-F687-4f45-9708-019B960494DF}">
-                  <a14:hiddenLine xmlns:a14="http://schemas.microsoft.com/office/drawing/2010/main" xmlns="" w="9525">
+                  <a14:hiddenLine xmlns="" xmlns:a14="http://schemas.microsoft.com/office/drawing/2010/main" w="9525">
                     <a:solidFill>
                       <a:srgbClr val="000000"/>
                     </a:solidFill>
@@ -11004,7 +11009,7 @@
               </a:ln>
               <a:extLst>
                 <a:ext uri="{91240B29-F687-4f45-9708-019B960494DF}">
-                  <a14:hiddenLine xmlns:a14="http://schemas.microsoft.com/office/drawing/2010/main" xmlns="" w="9525">
+                  <a14:hiddenLine xmlns="" xmlns:a14="http://schemas.microsoft.com/office/drawing/2010/main" w="9525">
                     <a:solidFill>
                       <a:srgbClr val="000000"/>
                     </a:solidFill>
@@ -11119,7 +11124,7 @@
               </a:ln>
               <a:extLst>
                 <a:ext uri="{91240B29-F687-4f45-9708-019B960494DF}">
-                  <a14:hiddenLine xmlns:a14="http://schemas.microsoft.com/office/drawing/2010/main" xmlns="" w="9525">
+                  <a14:hiddenLine xmlns="" xmlns:a14="http://schemas.microsoft.com/office/drawing/2010/main" w="9525">
                     <a:solidFill>
                       <a:srgbClr val="000000"/>
                     </a:solidFill>
@@ -11209,7 +11214,7 @@
               </a:ln>
               <a:extLst>
                 <a:ext uri="{91240B29-F687-4f45-9708-019B960494DF}">
-                  <a14:hiddenLine xmlns:a14="http://schemas.microsoft.com/office/drawing/2010/main" xmlns="" w="9525">
+                  <a14:hiddenLine xmlns="" xmlns:a14="http://schemas.microsoft.com/office/drawing/2010/main" w="9525">
                     <a:solidFill>
                       <a:srgbClr val="000000"/>
                     </a:solidFill>
@@ -11274,7 +11279,7 @@
               </a:ln>
               <a:extLst>
                 <a:ext uri="{91240B29-F687-4f45-9708-019B960494DF}">
-                  <a14:hiddenLine xmlns:a14="http://schemas.microsoft.com/office/drawing/2010/main" xmlns="" w="9525">
+                  <a14:hiddenLine xmlns="" xmlns:a14="http://schemas.microsoft.com/office/drawing/2010/main" w="9525">
                     <a:solidFill>
                       <a:srgbClr val="000000"/>
                     </a:solidFill>
@@ -11364,7 +11369,7 @@
               </a:ln>
               <a:extLst>
                 <a:ext uri="{91240B29-F687-4f45-9708-019B960494DF}">
-                  <a14:hiddenLine xmlns:a14="http://schemas.microsoft.com/office/drawing/2010/main" xmlns="" w="9525">
+                  <a14:hiddenLine xmlns="" xmlns:a14="http://schemas.microsoft.com/office/drawing/2010/main" w="9525">
                     <a:solidFill>
                       <a:srgbClr val="000000"/>
                     </a:solidFill>
@@ -11432,7 +11437,7 @@
               </a:ln>
               <a:extLst>
                 <a:ext uri="{91240B29-F687-4f45-9708-019B960494DF}">
-                  <a14:hiddenLine xmlns:a14="http://schemas.microsoft.com/office/drawing/2010/main" xmlns="" w="9525">
+                  <a14:hiddenLine xmlns="" xmlns:a14="http://schemas.microsoft.com/office/drawing/2010/main" w="9525">
                     <a:solidFill>
                       <a:srgbClr val="000000"/>
                     </a:solidFill>
@@ -11522,7 +11527,7 @@
               </a:ln>
               <a:extLst>
                 <a:ext uri="{91240B29-F687-4f45-9708-019B960494DF}">
-                  <a14:hiddenLine xmlns:a14="http://schemas.microsoft.com/office/drawing/2010/main" xmlns="" w="9525">
+                  <a14:hiddenLine xmlns="" xmlns:a14="http://schemas.microsoft.com/office/drawing/2010/main" w="9525">
                     <a:solidFill>
                       <a:srgbClr val="000000"/>
                     </a:solidFill>
@@ -11590,7 +11595,7 @@
               </a:ln>
               <a:extLst>
                 <a:ext uri="{91240B29-F687-4f45-9708-019B960494DF}">
-                  <a14:hiddenLine xmlns:a14="http://schemas.microsoft.com/office/drawing/2010/main" xmlns="" w="9525">
+                  <a14:hiddenLine xmlns="" xmlns:a14="http://schemas.microsoft.com/office/drawing/2010/main" w="9525">
                     <a:solidFill>
                       <a:srgbClr val="000000"/>
                     </a:solidFill>
@@ -11680,7 +11685,7 @@
               </a:ln>
               <a:extLst>
                 <a:ext uri="{91240B29-F687-4f45-9708-019B960494DF}">
-                  <a14:hiddenLine xmlns:a14="http://schemas.microsoft.com/office/drawing/2010/main" xmlns="" w="9525">
+                  <a14:hiddenLine xmlns="" xmlns:a14="http://schemas.microsoft.com/office/drawing/2010/main" w="9525">
                     <a:solidFill>
                       <a:srgbClr val="000000"/>
                     </a:solidFill>
@@ -11714,7 +11719,7 @@
               </a:ln>
               <a:extLst>
                 <a:ext uri="{91240B29-F687-4f45-9708-019B960494DF}">
-                  <a14:hiddenLine xmlns:a14="http://schemas.microsoft.com/office/drawing/2010/main" xmlns="" w="9525">
+                  <a14:hiddenLine xmlns="" xmlns:a14="http://schemas.microsoft.com/office/drawing/2010/main" w="9525">
                     <a:solidFill>
                       <a:srgbClr val="000000"/>
                     </a:solidFill>
@@ -11831,7 +11836,7 @@
             <a:fld id="{48A87A34-81AB-432B-8DAE-1953F412C126}" type="datetimeFigureOut">
               <a:rPr lang="en-US" dirty="0"/>
               <a:pPr/>
-              <a:t>8/22/19</a:t>
+              <a:t>8/23/19</a:t>
             </a:fld>
             <a:endParaRPr lang="en-US" dirty="0"/>
           </a:p>

--- a/tiemao_2019/25_jvm_toc/03.JMM与线程安全.pptx
+++ b/tiemao_2019/25_jvm_toc/03.JMM与线程安全.pptx
@@ -16,12 +16,13 @@
     <p:sldId id="293" r:id="rId10"/>
     <p:sldId id="286" r:id="rId11"/>
     <p:sldId id="284" r:id="rId12"/>
-    <p:sldId id="288" r:id="rId13"/>
-    <p:sldId id="294" r:id="rId14"/>
-    <p:sldId id="289" r:id="rId15"/>
-    <p:sldId id="283" r:id="rId16"/>
-    <p:sldId id="290" r:id="rId17"/>
-    <p:sldId id="281" r:id="rId18"/>
+    <p:sldId id="296" r:id="rId13"/>
+    <p:sldId id="288" r:id="rId14"/>
+    <p:sldId id="294" r:id="rId15"/>
+    <p:sldId id="289" r:id="rId16"/>
+    <p:sldId id="283" r:id="rId17"/>
+    <p:sldId id="290" r:id="rId18"/>
+    <p:sldId id="281" r:id="rId19"/>
   </p:sldIdLst>
   <p:sldSz cx="12192000" cy="6858000"/>
   <p:notesSz cx="6858000" cy="9144000"/>
@@ -275,7 +276,7 @@
           <a:p>
             <a:fld id="{B6F1B1F9-9426-DF49-8701-053F803BDFEF}" type="datetimeFigureOut">
               <a:rPr kumimoji="1" lang="zh-CN" altLang="en-US" smtClean="0"/>
-              <a:t>2019/8/25</a:t>
+              <a:t>2019/8/30</a:t>
             </a:fld>
             <a:endParaRPr kumimoji="1" lang="zh-CN" altLang="en-US"/>
           </a:p>
@@ -448,7 +449,7 @@
           <a:p>
             <a:fld id="{B6F1B1F9-9426-DF49-8701-053F803BDFEF}" type="datetimeFigureOut">
               <a:rPr kumimoji="1" lang="zh-CN" altLang="en-US" smtClean="0"/>
-              <a:t>2019/8/25</a:t>
+              <a:t>2019/8/30</a:t>
             </a:fld>
             <a:endParaRPr kumimoji="1" lang="zh-CN" altLang="en-US"/>
           </a:p>
@@ -631,7 +632,7 @@
           <a:p>
             <a:fld id="{B6F1B1F9-9426-DF49-8701-053F803BDFEF}" type="datetimeFigureOut">
               <a:rPr kumimoji="1" lang="zh-CN" altLang="en-US" smtClean="0"/>
-              <a:t>2019/8/25</a:t>
+              <a:t>2019/8/30</a:t>
             </a:fld>
             <a:endParaRPr kumimoji="1" lang="zh-CN" altLang="en-US"/>
           </a:p>
@@ -804,7 +805,7 @@
           <a:p>
             <a:fld id="{B6F1B1F9-9426-DF49-8701-053F803BDFEF}" type="datetimeFigureOut">
               <a:rPr kumimoji="1" lang="zh-CN" altLang="en-US" smtClean="0"/>
-              <a:t>2019/8/25</a:t>
+              <a:t>2019/8/30</a:t>
             </a:fld>
             <a:endParaRPr kumimoji="1" lang="zh-CN" altLang="en-US"/>
           </a:p>
@@ -1082,7 +1083,7 @@
           <a:p>
             <a:fld id="{B6F1B1F9-9426-DF49-8701-053F803BDFEF}" type="datetimeFigureOut">
               <a:rPr kumimoji="1" lang="zh-CN" altLang="en-US" smtClean="0"/>
-              <a:t>2019/8/25</a:t>
+              <a:t>2019/8/30</a:t>
             </a:fld>
             <a:endParaRPr kumimoji="1" lang="zh-CN" altLang="en-US"/>
           </a:p>
@@ -1297,7 +1298,7 @@
           <a:p>
             <a:fld id="{B6F1B1F9-9426-DF49-8701-053F803BDFEF}" type="datetimeFigureOut">
               <a:rPr kumimoji="1" lang="zh-CN" altLang="en-US" smtClean="0"/>
-              <a:t>2019/8/25</a:t>
+              <a:t>2019/8/30</a:t>
             </a:fld>
             <a:endParaRPr kumimoji="1" lang="zh-CN" altLang="en-US"/>
           </a:p>
@@ -1665,7 +1666,7 @@
           <a:p>
             <a:fld id="{B6F1B1F9-9426-DF49-8701-053F803BDFEF}" type="datetimeFigureOut">
               <a:rPr kumimoji="1" lang="zh-CN" altLang="en-US" smtClean="0"/>
-              <a:t>2019/8/25</a:t>
+              <a:t>2019/8/30</a:t>
             </a:fld>
             <a:endParaRPr kumimoji="1" lang="zh-CN" altLang="en-US"/>
           </a:p>
@@ -1806,7 +1807,7 @@
           <a:p>
             <a:fld id="{B6F1B1F9-9426-DF49-8701-053F803BDFEF}" type="datetimeFigureOut">
               <a:rPr kumimoji="1" lang="zh-CN" altLang="en-US" smtClean="0"/>
-              <a:t>2019/8/25</a:t>
+              <a:t>2019/8/30</a:t>
             </a:fld>
             <a:endParaRPr kumimoji="1" lang="zh-CN" altLang="en-US"/>
           </a:p>
@@ -1919,7 +1920,7 @@
           <a:p>
             <a:fld id="{B6F1B1F9-9426-DF49-8701-053F803BDFEF}" type="datetimeFigureOut">
               <a:rPr kumimoji="1" lang="zh-CN" altLang="en-US" smtClean="0"/>
-              <a:t>2019/8/25</a:t>
+              <a:t>2019/8/30</a:t>
             </a:fld>
             <a:endParaRPr kumimoji="1" lang="zh-CN" altLang="en-US"/>
           </a:p>
@@ -2208,7 +2209,7 @@
           <a:p>
             <a:fld id="{B6F1B1F9-9426-DF49-8701-053F803BDFEF}" type="datetimeFigureOut">
               <a:rPr kumimoji="1" lang="zh-CN" altLang="en-US" smtClean="0"/>
-              <a:t>2019/8/25</a:t>
+              <a:t>2019/8/30</a:t>
             </a:fld>
             <a:endParaRPr kumimoji="1" lang="zh-CN" altLang="en-US"/>
           </a:p>
@@ -2499,7 +2500,7 @@
           <a:p>
             <a:fld id="{B6F1B1F9-9426-DF49-8701-053F803BDFEF}" type="datetimeFigureOut">
               <a:rPr kumimoji="1" lang="zh-CN" altLang="en-US" smtClean="0"/>
-              <a:t>2019/8/25</a:t>
+              <a:t>2019/8/30</a:t>
             </a:fld>
             <a:endParaRPr kumimoji="1" lang="zh-CN" altLang="en-US"/>
           </a:p>
@@ -2715,7 +2716,7 @@
           <a:p>
             <a:fld id="{B6F1B1F9-9426-DF49-8701-053F803BDFEF}" type="datetimeFigureOut">
               <a:rPr kumimoji="1" lang="zh-CN" altLang="en-US" smtClean="0"/>
-              <a:t>2019/8/25</a:t>
+              <a:t>2019/8/30</a:t>
             </a:fld>
             <a:endParaRPr kumimoji="1" lang="zh-CN" altLang="en-US"/>
           </a:p>
@@ -3158,13 +3159,13 @@
               <a:t>JMM</a:t>
             </a:r>
             <a:r>
-              <a:rPr lang="zh-CN" altLang="en-US"/>
+              <a:rPr lang="zh-CN" altLang="en-US" dirty="0"/>
               <a:t>与线程安全</a:t>
             </a:r>
             <a:br>
               <a:rPr lang="en-US" altLang="zh-CN" dirty="0"/>
             </a:br>
-            <a:endParaRPr kumimoji="1" lang="zh-CN" altLang="en-US"/>
+            <a:endParaRPr kumimoji="1" lang="zh-CN" altLang="en-US" dirty="0"/>
           </a:p>
         </p:txBody>
       </p:sp>
@@ -3586,28 +3587,40 @@
           <a:lstStyle/>
           <a:p>
             <a:r>
-              <a:rPr kumimoji="1" lang="zh-CN" altLang="en-US"/>
+              <a:rPr kumimoji="1" lang="zh-CN" altLang="en-US" dirty="0"/>
+              <a:t>问题</a:t>
+            </a:r>
+            <a:r>
+              <a:rPr kumimoji="1" lang="en-US" altLang="zh-CN" dirty="0"/>
+              <a:t>: </a:t>
+            </a:r>
+            <a:r>
+              <a:rPr kumimoji="1" lang="zh-CN" altLang="en-US" dirty="0"/>
+              <a:t>什么是线程安全</a:t>
+            </a:r>
+            <a:r>
+              <a:rPr kumimoji="1" lang="en-US" altLang="zh-CN" dirty="0"/>
+              <a:t>? </a:t>
+            </a:r>
+            <a:r>
+              <a:rPr kumimoji="1" lang="zh-CN" altLang="en-US" dirty="0"/>
+              <a:t>什么是线程不安全</a:t>
+            </a:r>
+            <a:r>
+              <a:rPr kumimoji="1" lang="en-US" altLang="zh-CN" dirty="0"/>
+              <a:t>?</a:t>
+            </a:r>
+          </a:p>
+          <a:p>
+            <a:r>
+              <a:rPr kumimoji="1" lang="zh-CN" altLang="en-US" dirty="0"/>
               <a:t>线程间通信</a:t>
             </a:r>
             <a:endParaRPr kumimoji="1" lang="en-US" altLang="zh-CN" dirty="0"/>
           </a:p>
           <a:p>
             <a:r>
-              <a:rPr kumimoji="1" lang="zh-CN" altLang="en-US"/>
-              <a:t>什么是线程安全</a:t>
-            </a:r>
-            <a:endParaRPr kumimoji="1" lang="en-US" altLang="zh-CN" dirty="0"/>
-          </a:p>
-          <a:p>
-            <a:r>
-              <a:rPr kumimoji="1" lang="zh-CN" altLang="en-US"/>
-              <a:t>什么是线程不安全</a:t>
-            </a:r>
-            <a:endParaRPr kumimoji="1" lang="en-US" altLang="zh-CN" dirty="0"/>
-          </a:p>
-          <a:p>
-            <a:r>
-              <a:rPr kumimoji="1" lang="zh-CN" altLang="en-US"/>
+              <a:rPr kumimoji="1" lang="zh-CN" altLang="en-US" dirty="0"/>
               <a:t>共享与同步</a:t>
             </a:r>
             <a:endParaRPr kumimoji="1" lang="en-US" altLang="zh-CN" dirty="0"/>
@@ -3618,7 +3631,7 @@
               <a:t>ThreadLocal</a:t>
             </a:r>
             <a:r>
-              <a:rPr kumimoji="1" lang="zh-CN" altLang="en-US"/>
+              <a:rPr kumimoji="1" lang="zh-CN" altLang="en-US" dirty="0"/>
               <a:t> </a:t>
             </a:r>
             <a:endParaRPr kumimoji="1" lang="en-US" altLang="zh-CN" dirty="0"/>
@@ -3660,7 +3673,7 @@
           <p:cNvPr id="2" name="标题 1">
             <a:extLst>
               <a:ext uri="{FF2B5EF4-FFF2-40B4-BE49-F238E27FC236}">
-                <a16:creationId xmlns:a16="http://schemas.microsoft.com/office/drawing/2014/main" id="{515DE94C-8154-E541-B240-A382EC0CE805}"/>
+                <a16:creationId xmlns:a16="http://schemas.microsoft.com/office/drawing/2014/main" id="{AA2CEA13-9793-D44B-8375-E0121A33DEA2}"/>
               </a:ext>
             </a:extLst>
           </p:cNvPr>
@@ -3677,6 +3690,171 @@
           <a:lstStyle/>
           <a:p>
             <a:r>
+              <a:rPr kumimoji="1" lang="zh-CN" altLang="en-US" dirty="0"/>
+              <a:t>线程间通信</a:t>
+            </a:r>
+          </a:p>
+        </p:txBody>
+      </p:sp>
+      <p:sp>
+        <p:nvSpPr>
+          <p:cNvPr id="3" name="内容占位符 2">
+            <a:extLst>
+              <a:ext uri="{FF2B5EF4-FFF2-40B4-BE49-F238E27FC236}">
+                <a16:creationId xmlns:a16="http://schemas.microsoft.com/office/drawing/2014/main" id="{AF249E1D-A9E9-7D4F-BDA8-6B01B4AB0537}"/>
+              </a:ext>
+            </a:extLst>
+          </p:cNvPr>
+          <p:cNvSpPr>
+            <a:spLocks noGrp="1"/>
+          </p:cNvSpPr>
+          <p:nvPr>
+            <p:ph idx="1"/>
+          </p:nvPr>
+        </p:nvSpPr>
+        <p:spPr/>
+        <p:txBody>
+          <a:bodyPr/>
+          <a:lstStyle/>
+          <a:p>
+            <a:r>
+              <a:rPr kumimoji="1" lang="zh-CN" altLang="en-US" dirty="0"/>
+              <a:t>共享变量</a:t>
+            </a:r>
+            <a:r>
+              <a:rPr kumimoji="1" lang="en-US" altLang="zh-CN" dirty="0"/>
+              <a:t>/</a:t>
+            </a:r>
+            <a:r>
+              <a:rPr kumimoji="1" lang="zh-CN" altLang="en-US" dirty="0"/>
+              <a:t>堆内存</a:t>
+            </a:r>
+            <a:endParaRPr kumimoji="1" lang="en-US" altLang="zh-CN" dirty="0"/>
+          </a:p>
+          <a:p>
+            <a:r>
+              <a:rPr kumimoji="1" lang="zh-CN" altLang="en-US" dirty="0"/>
+              <a:t>进程级</a:t>
+            </a:r>
+            <a:r>
+              <a:rPr kumimoji="1" lang="en-US" altLang="zh-CN" dirty="0"/>
+              <a:t>/</a:t>
+            </a:r>
+            <a:r>
+              <a:rPr kumimoji="1" lang="zh-CN" altLang="en-US" dirty="0"/>
+              <a:t>外部存储</a:t>
+            </a:r>
+            <a:endParaRPr kumimoji="1" lang="en-US" altLang="zh-CN" dirty="0"/>
+          </a:p>
+          <a:p>
+            <a:r>
+              <a:rPr kumimoji="1" lang="en-US" altLang="zh-CN" dirty="0" err="1"/>
+              <a:t>Object#wait</a:t>
+            </a:r>
+            <a:r>
+              <a:rPr kumimoji="1" lang="en-US" altLang="zh-CN" dirty="0"/>
+              <a:t>/notify/</a:t>
+            </a:r>
+            <a:r>
+              <a:rPr kumimoji="1" lang="en-US" altLang="zh-CN" dirty="0" err="1"/>
+              <a:t>notifyAll</a:t>
+            </a:r>
+            <a:endParaRPr kumimoji="1" lang="en-US" altLang="zh-CN" dirty="0"/>
+          </a:p>
+          <a:p>
+            <a:r>
+              <a:rPr kumimoji="1" lang="en-US" altLang="zh-CN" dirty="0" err="1"/>
+              <a:t>CountdownLatch</a:t>
+            </a:r>
+            <a:endParaRPr kumimoji="1" lang="en-US" altLang="zh-CN" dirty="0"/>
+          </a:p>
+          <a:p>
+            <a:r>
+              <a:rPr kumimoji="1" lang="en-US" altLang="zh-CN" dirty="0" err="1"/>
+              <a:t>CyclicBarrier</a:t>
+            </a:r>
+            <a:endParaRPr kumimoji="1" lang="en-US" altLang="zh-CN" dirty="0"/>
+          </a:p>
+          <a:p>
+            <a:r>
+              <a:rPr kumimoji="1" lang="en-US" altLang="zh-CN" dirty="0" err="1"/>
+              <a:t>FutureTask</a:t>
+            </a:r>
+            <a:endParaRPr kumimoji="1" lang="en-US" altLang="zh-CN" dirty="0"/>
+          </a:p>
+          <a:p>
+            <a:r>
+              <a:rPr kumimoji="1" lang="en-US" altLang="zh-CN" dirty="0"/>
+              <a:t>Callable</a:t>
+            </a:r>
+          </a:p>
+          <a:p>
+            <a:r>
+              <a:rPr kumimoji="1" lang="en-US" altLang="zh-CN" dirty="0" err="1"/>
+              <a:t>Thread#join</a:t>
+            </a:r>
+            <a:r>
+              <a:rPr kumimoji="1" lang="en-US" altLang="zh-CN" dirty="0"/>
+              <a:t>()</a:t>
+            </a:r>
+          </a:p>
+          <a:p>
+            <a:endParaRPr kumimoji="1" lang="zh-CN" altLang="en-US" dirty="0"/>
+          </a:p>
+        </p:txBody>
+      </p:sp>
+    </p:spTree>
+    <p:extLst>
+      <p:ext uri="{BB962C8B-B14F-4D97-AF65-F5344CB8AC3E}">
+        <p14:creationId xmlns:p14="http://schemas.microsoft.com/office/powerpoint/2010/main" val="1355453985"/>
+      </p:ext>
+    </p:extLst>
+  </p:cSld>
+  <p:clrMapOvr>
+    <a:masterClrMapping/>
+  </p:clrMapOvr>
+</p:sld>
+</file>
+
+<file path=ppt/slides/slide13.xml><?xml version="1.0" encoding="utf-8"?>
+<p:sld xmlns:a="http://schemas.openxmlformats.org/drawingml/2006/main" xmlns:r="http://schemas.openxmlformats.org/officeDocument/2006/relationships" xmlns:p="http://schemas.openxmlformats.org/presentationml/2006/main">
+  <p:cSld>
+    <p:spTree>
+      <p:nvGrpSpPr>
+        <p:cNvPr id="1" name=""/>
+        <p:cNvGrpSpPr/>
+        <p:nvPr/>
+      </p:nvGrpSpPr>
+      <p:grpSpPr>
+        <a:xfrm>
+          <a:off x="0" y="0"/>
+          <a:ext cx="0" cy="0"/>
+          <a:chOff x="0" y="0"/>
+          <a:chExt cx="0" cy="0"/>
+        </a:xfrm>
+      </p:grpSpPr>
+      <p:sp>
+        <p:nvSpPr>
+          <p:cNvPr id="2" name="标题 1">
+            <a:extLst>
+              <a:ext uri="{FF2B5EF4-FFF2-40B4-BE49-F238E27FC236}">
+                <a16:creationId xmlns:a16="http://schemas.microsoft.com/office/drawing/2014/main" id="{515DE94C-8154-E541-B240-A382EC0CE805}"/>
+              </a:ext>
+            </a:extLst>
+          </p:cNvPr>
+          <p:cNvSpPr>
+            <a:spLocks noGrp="1"/>
+          </p:cNvSpPr>
+          <p:nvPr>
+            <p:ph type="title"/>
+          </p:nvPr>
+        </p:nvSpPr>
+        <p:spPr/>
+        <p:txBody>
+          <a:bodyPr/>
+          <a:lstStyle/>
+          <a:p>
+            <a:r>
               <a:rPr kumimoji="1" lang="zh-CN" altLang="en-US"/>
               <a:t>死锁</a:t>
             </a:r>
@@ -3705,14 +3883,14 @@
           <a:lstStyle/>
           <a:p>
             <a:r>
-              <a:rPr kumimoji="1" lang="zh-CN" altLang="en-US"/>
+              <a:rPr kumimoji="1" lang="zh-CN" altLang="en-US" dirty="0"/>
               <a:t>多线程</a:t>
             </a:r>
             <a:endParaRPr kumimoji="1" lang="en-US" altLang="zh-CN" dirty="0"/>
           </a:p>
           <a:p>
             <a:r>
-              <a:rPr kumimoji="1" lang="zh-CN" altLang="en-US"/>
+              <a:rPr kumimoji="1" lang="zh-CN" altLang="en-US" dirty="0"/>
               <a:t>多个资源</a:t>
             </a:r>
             <a:r>
@@ -3720,21 +3898,21 @@
               <a:t>/</a:t>
             </a:r>
             <a:r>
-              <a:rPr kumimoji="1" lang="zh-CN" altLang="en-US"/>
+              <a:rPr kumimoji="1" lang="zh-CN" altLang="en-US" dirty="0"/>
               <a:t>锁</a:t>
             </a:r>
             <a:endParaRPr kumimoji="1" lang="en-US" altLang="zh-CN" dirty="0"/>
           </a:p>
           <a:p>
             <a:r>
-              <a:rPr kumimoji="1" lang="zh-CN" altLang="en-US"/>
+              <a:rPr kumimoji="1" lang="zh-CN" altLang="en-US" dirty="0"/>
               <a:t>进行到一半</a:t>
             </a:r>
             <a:endParaRPr kumimoji="1" lang="en-US" altLang="zh-CN" dirty="0"/>
           </a:p>
           <a:p>
             <a:r>
-              <a:rPr kumimoji="1" lang="zh-CN" altLang="en-US"/>
+              <a:rPr kumimoji="1" lang="zh-CN" altLang="en-US" dirty="0"/>
               <a:t>怎么协调</a:t>
             </a:r>
             <a:r>
@@ -3744,7 +3922,7 @@
           </a:p>
           <a:p>
             <a:r>
-              <a:rPr kumimoji="1" lang="zh-CN" altLang="en-US"/>
+              <a:rPr kumimoji="1" lang="zh-CN" altLang="en-US" dirty="0"/>
               <a:t>经典案例</a:t>
             </a:r>
             <a:r>
@@ -3752,14 +3930,14 @@
               <a:t>: </a:t>
             </a:r>
             <a:r>
-              <a:rPr kumimoji="1" lang="zh-CN" altLang="en-US"/>
-              <a:t>哲学家用筷子吃饭</a:t>
+              <a:rPr kumimoji="1" lang="zh-CN" altLang="en-US" dirty="0"/>
+              <a:t>哲学家吃饭问题</a:t>
             </a:r>
             <a:endParaRPr kumimoji="1" lang="en-US" altLang="zh-CN" dirty="0"/>
           </a:p>
           <a:p>
             <a:r>
-              <a:rPr kumimoji="1" lang="zh-CN" altLang="en-US"/>
+              <a:rPr kumimoji="1" lang="zh-CN" altLang="en-US" dirty="0"/>
               <a:t>讨论</a:t>
             </a:r>
             <a:r>
@@ -3767,7 +3945,7 @@
               <a:t>: </a:t>
             </a:r>
             <a:r>
-              <a:rPr kumimoji="1" lang="zh-CN" altLang="en-US"/>
+              <a:rPr kumimoji="1" lang="zh-CN" altLang="en-US" dirty="0"/>
               <a:t>数据库死锁</a:t>
             </a:r>
           </a:p>
@@ -3816,7 +3994,7 @@
 </p:sld>
 </file>
 
-<file path=ppt/slides/slide13.xml><?xml version="1.0" encoding="utf-8"?>
+<file path=ppt/slides/slide14.xml><?xml version="1.0" encoding="utf-8"?>
 <p:sld xmlns:a="http://schemas.openxmlformats.org/drawingml/2006/main" xmlns:r="http://schemas.openxmlformats.org/officeDocument/2006/relationships" xmlns:p="http://schemas.openxmlformats.org/presentationml/2006/main">
   <p:cSld>
     <p:spTree>
@@ -4410,128 +4588,6 @@
 </p:sld>
 </file>
 
-<file path=ppt/slides/slide14.xml><?xml version="1.0" encoding="utf-8"?>
-<p:sld xmlns:a="http://schemas.openxmlformats.org/drawingml/2006/main" xmlns:r="http://schemas.openxmlformats.org/officeDocument/2006/relationships" xmlns:p="http://schemas.openxmlformats.org/presentationml/2006/main">
-  <p:cSld>
-    <p:spTree>
-      <p:nvGrpSpPr>
-        <p:cNvPr id="1" name=""/>
-        <p:cNvGrpSpPr/>
-        <p:nvPr/>
-      </p:nvGrpSpPr>
-      <p:grpSpPr>
-        <a:xfrm>
-          <a:off x="0" y="0"/>
-          <a:ext cx="0" cy="0"/>
-          <a:chOff x="0" y="0"/>
-          <a:chExt cx="0" cy="0"/>
-        </a:xfrm>
-      </p:grpSpPr>
-      <p:sp>
-        <p:nvSpPr>
-          <p:cNvPr id="2" name="标题 1">
-            <a:extLst>
-              <a:ext uri="{FF2B5EF4-FFF2-40B4-BE49-F238E27FC236}">
-                <a16:creationId xmlns:a16="http://schemas.microsoft.com/office/drawing/2014/main" id="{61F796F3-BB95-9048-B484-F65D78A15D0B}"/>
-              </a:ext>
-            </a:extLst>
-          </p:cNvPr>
-          <p:cNvSpPr>
-            <a:spLocks noGrp="1"/>
-          </p:cNvSpPr>
-          <p:nvPr>
-            <p:ph type="title"/>
-          </p:nvPr>
-        </p:nvSpPr>
-        <p:spPr/>
-        <p:txBody>
-          <a:bodyPr/>
-          <a:lstStyle/>
-          <a:p>
-            <a:r>
-              <a:rPr kumimoji="1" lang="zh-CN" altLang="en-US"/>
-              <a:t>锁优化技术</a:t>
-            </a:r>
-          </a:p>
-        </p:txBody>
-      </p:sp>
-      <p:sp>
-        <p:nvSpPr>
-          <p:cNvPr id="3" name="内容占位符 2">
-            <a:extLst>
-              <a:ext uri="{FF2B5EF4-FFF2-40B4-BE49-F238E27FC236}">
-                <a16:creationId xmlns:a16="http://schemas.microsoft.com/office/drawing/2014/main" id="{0CD04CE7-E045-1B47-9042-5144F9BA5DCE}"/>
-              </a:ext>
-            </a:extLst>
-          </p:cNvPr>
-          <p:cNvSpPr>
-            <a:spLocks noGrp="1"/>
-          </p:cNvSpPr>
-          <p:nvPr>
-            <p:ph idx="1"/>
-          </p:nvPr>
-        </p:nvSpPr>
-        <p:spPr/>
-        <p:txBody>
-          <a:bodyPr/>
-          <a:lstStyle/>
-          <a:p>
-            <a:r>
-              <a:rPr kumimoji="1" lang="zh-CN" altLang="en-US" dirty="0"/>
-              <a:t>业务设计角度</a:t>
-            </a:r>
-            <a:endParaRPr kumimoji="1" lang="en-US" altLang="zh-CN" dirty="0"/>
-          </a:p>
-          <a:p>
-            <a:r>
-              <a:rPr kumimoji="1" lang="zh-CN" altLang="en-US" dirty="0"/>
-              <a:t>程序</a:t>
-            </a:r>
-            <a:r>
-              <a:rPr kumimoji="1" lang="en-US" altLang="zh-CN" dirty="0"/>
-              <a:t>BUG</a:t>
-            </a:r>
-          </a:p>
-          <a:p>
-            <a:r>
-              <a:rPr kumimoji="1" lang="zh-CN" altLang="en-US" dirty="0"/>
-              <a:t>性能与粒度</a:t>
-            </a:r>
-            <a:endParaRPr kumimoji="1" lang="en-US" altLang="zh-CN" dirty="0"/>
-          </a:p>
-          <a:p>
-            <a:r>
-              <a:rPr kumimoji="1" lang="zh-CN" altLang="en-US" dirty="0"/>
-              <a:t>实现成本</a:t>
-            </a:r>
-            <a:r>
-              <a:rPr kumimoji="1" lang="en-US" altLang="zh-CN" dirty="0"/>
-              <a:t> vs. </a:t>
-            </a:r>
-            <a:r>
-              <a:rPr kumimoji="1" lang="zh-CN" altLang="en-US" dirty="0"/>
-              <a:t>过度优化</a:t>
-            </a:r>
-            <a:r>
-              <a:rPr kumimoji="1" lang="en-US" altLang="zh-CN" dirty="0"/>
-              <a:t>?</a:t>
-            </a:r>
-          </a:p>
-        </p:txBody>
-      </p:sp>
-    </p:spTree>
-    <p:extLst>
-      <p:ext uri="{BB962C8B-B14F-4D97-AF65-F5344CB8AC3E}">
-        <p14:creationId xmlns:p14="http://schemas.microsoft.com/office/powerpoint/2010/main" val="3404213009"/>
-      </p:ext>
-    </p:extLst>
-  </p:cSld>
-  <p:clrMapOvr>
-    <a:masterClrMapping/>
-  </p:clrMapOvr>
-</p:sld>
-</file>
-
 <file path=ppt/slides/slide15.xml><?xml version="1.0" encoding="utf-8"?>
 <p:sld xmlns:a="http://schemas.openxmlformats.org/drawingml/2006/main" xmlns:r="http://schemas.openxmlformats.org/officeDocument/2006/relationships" xmlns:p="http://schemas.openxmlformats.org/presentationml/2006/main">
   <p:cSld>
@@ -4554,7 +4610,7 @@
           <p:cNvPr id="2" name="标题 1">
             <a:extLst>
               <a:ext uri="{FF2B5EF4-FFF2-40B4-BE49-F238E27FC236}">
-                <a16:creationId xmlns:a16="http://schemas.microsoft.com/office/drawing/2014/main" id="{87835E34-FF88-CA4E-9512-F089068AB304}"/>
+                <a16:creationId xmlns:a16="http://schemas.microsoft.com/office/drawing/2014/main" id="{61F796F3-BB95-9048-B484-F65D78A15D0B}"/>
               </a:ext>
             </a:extLst>
           </p:cNvPr>
@@ -4572,7 +4628,7 @@
           <a:p>
             <a:r>
               <a:rPr kumimoji="1" lang="zh-CN" altLang="en-US"/>
-              <a:t>对象内存布局</a:t>
+              <a:t>锁优化技术</a:t>
             </a:r>
           </a:p>
         </p:txBody>
@@ -4582,7 +4638,7 @@
           <p:cNvPr id="3" name="内容占位符 2">
             <a:extLst>
               <a:ext uri="{FF2B5EF4-FFF2-40B4-BE49-F238E27FC236}">
-                <a16:creationId xmlns:a16="http://schemas.microsoft.com/office/drawing/2014/main" id="{9B7717F0-26F1-F641-8A1B-103C8208AC4A}"/>
+                <a16:creationId xmlns:a16="http://schemas.microsoft.com/office/drawing/2014/main" id="{0CD04CE7-E045-1B47-9042-5144F9BA5DCE}"/>
               </a:ext>
             </a:extLst>
           </p:cNvPr>
@@ -4600,6 +4656,128 @@
           <a:p>
             <a:r>
               <a:rPr kumimoji="1" lang="zh-CN" altLang="en-US" dirty="0"/>
+              <a:t>业务设计角度</a:t>
+            </a:r>
+            <a:endParaRPr kumimoji="1" lang="en-US" altLang="zh-CN" dirty="0"/>
+          </a:p>
+          <a:p>
+            <a:r>
+              <a:rPr kumimoji="1" lang="zh-CN" altLang="en-US" dirty="0"/>
+              <a:t>程序</a:t>
+            </a:r>
+            <a:r>
+              <a:rPr kumimoji="1" lang="en-US" altLang="zh-CN" dirty="0"/>
+              <a:t>BUG</a:t>
+            </a:r>
+          </a:p>
+          <a:p>
+            <a:r>
+              <a:rPr kumimoji="1" lang="zh-CN" altLang="en-US" dirty="0"/>
+              <a:t>性能与粒度</a:t>
+            </a:r>
+            <a:endParaRPr kumimoji="1" lang="en-US" altLang="zh-CN" dirty="0"/>
+          </a:p>
+          <a:p>
+            <a:r>
+              <a:rPr kumimoji="1" lang="zh-CN" altLang="en-US" dirty="0"/>
+              <a:t>实现成本</a:t>
+            </a:r>
+            <a:r>
+              <a:rPr kumimoji="1" lang="en-US" altLang="zh-CN" dirty="0"/>
+              <a:t> vs. </a:t>
+            </a:r>
+            <a:r>
+              <a:rPr kumimoji="1" lang="zh-CN" altLang="en-US" dirty="0"/>
+              <a:t>过度优化</a:t>
+            </a:r>
+            <a:r>
+              <a:rPr kumimoji="1" lang="en-US" altLang="zh-CN" dirty="0"/>
+              <a:t>?</a:t>
+            </a:r>
+          </a:p>
+        </p:txBody>
+      </p:sp>
+    </p:spTree>
+    <p:extLst>
+      <p:ext uri="{BB962C8B-B14F-4D97-AF65-F5344CB8AC3E}">
+        <p14:creationId xmlns:p14="http://schemas.microsoft.com/office/powerpoint/2010/main" val="3404213009"/>
+      </p:ext>
+    </p:extLst>
+  </p:cSld>
+  <p:clrMapOvr>
+    <a:masterClrMapping/>
+  </p:clrMapOvr>
+</p:sld>
+</file>
+
+<file path=ppt/slides/slide16.xml><?xml version="1.0" encoding="utf-8"?>
+<p:sld xmlns:a="http://schemas.openxmlformats.org/drawingml/2006/main" xmlns:r="http://schemas.openxmlformats.org/officeDocument/2006/relationships" xmlns:p="http://schemas.openxmlformats.org/presentationml/2006/main">
+  <p:cSld>
+    <p:spTree>
+      <p:nvGrpSpPr>
+        <p:cNvPr id="1" name=""/>
+        <p:cNvGrpSpPr/>
+        <p:nvPr/>
+      </p:nvGrpSpPr>
+      <p:grpSpPr>
+        <a:xfrm>
+          <a:off x="0" y="0"/>
+          <a:ext cx="0" cy="0"/>
+          <a:chOff x="0" y="0"/>
+          <a:chExt cx="0" cy="0"/>
+        </a:xfrm>
+      </p:grpSpPr>
+      <p:sp>
+        <p:nvSpPr>
+          <p:cNvPr id="2" name="标题 1">
+            <a:extLst>
+              <a:ext uri="{FF2B5EF4-FFF2-40B4-BE49-F238E27FC236}">
+                <a16:creationId xmlns:a16="http://schemas.microsoft.com/office/drawing/2014/main" id="{87835E34-FF88-CA4E-9512-F089068AB304}"/>
+              </a:ext>
+            </a:extLst>
+          </p:cNvPr>
+          <p:cNvSpPr>
+            <a:spLocks noGrp="1"/>
+          </p:cNvSpPr>
+          <p:nvPr>
+            <p:ph type="title"/>
+          </p:nvPr>
+        </p:nvSpPr>
+        <p:spPr/>
+        <p:txBody>
+          <a:bodyPr/>
+          <a:lstStyle/>
+          <a:p>
+            <a:r>
+              <a:rPr kumimoji="1" lang="zh-CN" altLang="en-US"/>
+              <a:t>对象内存布局</a:t>
+            </a:r>
+          </a:p>
+        </p:txBody>
+      </p:sp>
+      <p:sp>
+        <p:nvSpPr>
+          <p:cNvPr id="3" name="内容占位符 2">
+            <a:extLst>
+              <a:ext uri="{FF2B5EF4-FFF2-40B4-BE49-F238E27FC236}">
+                <a16:creationId xmlns:a16="http://schemas.microsoft.com/office/drawing/2014/main" id="{9B7717F0-26F1-F641-8A1B-103C8208AC4A}"/>
+              </a:ext>
+            </a:extLst>
+          </p:cNvPr>
+          <p:cNvSpPr>
+            <a:spLocks noGrp="1"/>
+          </p:cNvSpPr>
+          <p:nvPr>
+            <p:ph idx="1"/>
+          </p:nvPr>
+        </p:nvSpPr>
+        <p:spPr/>
+        <p:txBody>
+          <a:bodyPr/>
+          <a:lstStyle/>
+          <a:p>
+            <a:r>
+              <a:rPr kumimoji="1" lang="zh-CN" altLang="en-US" dirty="0"/>
               <a:t>内容回顾</a:t>
             </a:r>
             <a:endParaRPr kumimoji="1" lang="en-US" altLang="zh-CN" dirty="0"/>
@@ -4639,16 +4817,6 @@
           </a:p>
           <a:p>
             <a:r>
-              <a:rPr kumimoji="1" lang="zh-CN" altLang="en-US" dirty="0"/>
-              <a:t>一切皆引用</a:t>
-            </a:r>
-            <a:r>
-              <a:rPr kumimoji="1" lang="en-US" altLang="zh-CN" dirty="0"/>
-              <a:t>?</a:t>
-            </a:r>
-          </a:p>
-          <a:p>
-            <a:r>
               <a:rPr kumimoji="1" lang="en-US" altLang="zh-CN" dirty="0"/>
               <a:t>Java</a:t>
             </a:r>
@@ -4671,6 +4839,14 @@
               <a:rPr kumimoji="1" lang="zh-CN" altLang="en-US" dirty="0"/>
               <a:t>对象的内存占用</a:t>
             </a:r>
+            <a:endParaRPr kumimoji="1" lang="en-US" altLang="zh-CN" dirty="0"/>
+          </a:p>
+          <a:p>
+            <a:r>
+              <a:rPr lang="en-US" altLang="zh-CN" dirty="0"/>
+              <a:t>Alignment/Padding</a:t>
+            </a:r>
+            <a:endParaRPr kumimoji="1" lang="zh-CN" altLang="en-US" dirty="0"/>
           </a:p>
         </p:txBody>
       </p:sp>
@@ -4687,7 +4863,7 @@
 </p:sld>
 </file>
 
-<file path=ppt/slides/slide16.xml><?xml version="1.0" encoding="utf-8"?>
+<file path=ppt/slides/slide17.xml><?xml version="1.0" encoding="utf-8"?>
 <p:sld xmlns:a="http://schemas.openxmlformats.org/drawingml/2006/main" xmlns:r="http://schemas.openxmlformats.org/officeDocument/2006/relationships" xmlns:p="http://schemas.openxmlformats.org/presentationml/2006/main">
   <p:cSld>
     <p:spTree>
@@ -5803,7 +5979,7 @@
 </p:sld>
 </file>
 
-<file path=ppt/slides/slide17.xml><?xml version="1.0" encoding="utf-8"?>
+<file path=ppt/slides/slide18.xml><?xml version="1.0" encoding="utf-8"?>
 <p:sld xmlns:a="http://schemas.openxmlformats.org/drawingml/2006/main" xmlns:r="http://schemas.openxmlformats.org/officeDocument/2006/relationships" xmlns:p="http://schemas.openxmlformats.org/presentationml/2006/main">
   <p:cSld>
     <p:spTree>
@@ -5936,15 +6112,16 @@
           <a:bodyPr/>
           <a:lstStyle/>
           <a:p>
+            <a:pPr algn="ctr"/>
             <a:r>
               <a:rPr lang="en-US" altLang="zh-CN" dirty="0"/>
               <a:t>JMM</a:t>
             </a:r>
             <a:r>
-              <a:rPr lang="zh-CN" altLang="en-US"/>
+              <a:rPr lang="zh-CN" altLang="en-US" dirty="0"/>
               <a:t>与线程安全</a:t>
             </a:r>
-            <a:endParaRPr kumimoji="1" lang="zh-CN" altLang="en-US"/>
+            <a:endParaRPr kumimoji="1" lang="zh-CN" altLang="en-US" dirty="0"/>
           </a:p>
         </p:txBody>
       </p:sp>
@@ -5976,14 +6153,14 @@
               <a:t>Java</a:t>
             </a:r>
             <a:r>
-              <a:rPr kumimoji="1" lang="zh-CN" altLang="en-US"/>
+              <a:rPr kumimoji="1" lang="zh-CN" altLang="en-US" dirty="0"/>
               <a:t>内存模型</a:t>
             </a:r>
             <a:endParaRPr kumimoji="1" lang="en-US" altLang="zh-CN" dirty="0"/>
           </a:p>
           <a:p>
             <a:r>
-              <a:rPr kumimoji="1" lang="zh-CN" altLang="en-US"/>
+              <a:rPr kumimoji="1" lang="zh-CN" altLang="en-US" dirty="0"/>
               <a:t>锁的特性分类</a:t>
             </a:r>
             <a:endParaRPr kumimoji="1" lang="en-US" altLang="zh-CN" dirty="0"/>
@@ -5994,7 +6171,7 @@
               <a:t>Monitor</a:t>
             </a:r>
             <a:r>
-              <a:rPr kumimoji="1" lang="zh-CN" altLang="en-US"/>
+              <a:rPr kumimoji="1" lang="zh-CN" altLang="en-US" dirty="0"/>
               <a:t>与</a:t>
             </a:r>
             <a:r>
@@ -6008,35 +6185,35 @@
               <a:t>CAS-</a:t>
             </a:r>
             <a:r>
-              <a:rPr kumimoji="1" lang="zh-CN" altLang="en-US"/>
+              <a:rPr kumimoji="1" lang="zh-CN" altLang="en-US" dirty="0"/>
               <a:t>无锁技术</a:t>
             </a:r>
             <a:endParaRPr kumimoji="1" lang="en-US" altLang="zh-CN" dirty="0"/>
           </a:p>
           <a:p>
             <a:r>
-              <a:rPr kumimoji="1" lang="zh-CN" altLang="en-US"/>
+              <a:rPr kumimoji="1" lang="zh-CN" altLang="en-US" dirty="0"/>
               <a:t>死锁</a:t>
             </a:r>
             <a:endParaRPr kumimoji="1" lang="en-US" altLang="zh-CN" dirty="0"/>
           </a:p>
           <a:p>
             <a:r>
-              <a:rPr kumimoji="1" lang="zh-CN" altLang="en-US"/>
+              <a:rPr kumimoji="1" lang="zh-CN" altLang="en-US" dirty="0"/>
               <a:t>线程不安全问题</a:t>
             </a:r>
             <a:endParaRPr kumimoji="1" lang="en-US" altLang="zh-CN" dirty="0"/>
           </a:p>
           <a:p>
             <a:r>
-              <a:rPr kumimoji="1" lang="zh-CN" altLang="en-US"/>
+              <a:rPr kumimoji="1" lang="zh-CN" altLang="en-US" dirty="0"/>
               <a:t>锁优化技术</a:t>
             </a:r>
             <a:endParaRPr kumimoji="1" lang="en-US" altLang="zh-CN" dirty="0"/>
           </a:p>
           <a:p>
             <a:r>
-              <a:rPr kumimoji="1" lang="zh-CN" altLang="en-US"/>
+              <a:rPr kumimoji="1" lang="zh-CN" altLang="en-US" dirty="0"/>
               <a:t>对象内存布局</a:t>
             </a:r>
             <a:endParaRPr kumimoji="1" lang="en-US" altLang="zh-CN" dirty="0"/>
@@ -6045,10 +6222,40 @@
             <a:pPr marL="0" indent="0">
               <a:buNone/>
             </a:pPr>
-            <a:endParaRPr kumimoji="1" lang="zh-CN" altLang="en-US"/>
-          </a:p>
-        </p:txBody>
-      </p:sp>
+            <a:endParaRPr kumimoji="1" lang="zh-CN" altLang="en-US" dirty="0"/>
+          </a:p>
+        </p:txBody>
+      </p:sp>
+      <p:pic>
+        <p:nvPicPr>
+          <p:cNvPr id="4" name="图片 3">
+            <a:extLst>
+              <a:ext uri="{FF2B5EF4-FFF2-40B4-BE49-F238E27FC236}">
+                <a16:creationId xmlns:a16="http://schemas.microsoft.com/office/drawing/2014/main" id="{3F445EAB-BA26-E447-B971-5CADBBC444CA}"/>
+              </a:ext>
+            </a:extLst>
+          </p:cNvPr>
+          <p:cNvPicPr>
+            <a:picLocks noChangeAspect="1"/>
+          </p:cNvPicPr>
+          <p:nvPr/>
+        </p:nvPicPr>
+        <p:blipFill>
+          <a:blip r:embed="rId2"/>
+          <a:stretch>
+            <a:fillRect/>
+          </a:stretch>
+        </p:blipFill>
+        <p:spPr>
+          <a:xfrm>
+            <a:off x="7892143" y="2808515"/>
+            <a:ext cx="3048000" cy="3048000"/>
+          </a:xfrm>
+          <a:prstGeom prst="rect">
+            <a:avLst/>
+          </a:prstGeom>
+        </p:spPr>
+      </p:pic>
     </p:spTree>
     <p:extLst>
       <p:ext uri="{BB962C8B-B14F-4D97-AF65-F5344CB8AC3E}">
@@ -6100,12 +6307,13 @@
           <a:bodyPr/>
           <a:lstStyle/>
           <a:p>
+            <a:pPr algn="ctr"/>
             <a:r>
               <a:rPr kumimoji="1" lang="en-US" altLang="zh-CN" dirty="0"/>
               <a:t>Java</a:t>
             </a:r>
             <a:r>
-              <a:rPr kumimoji="1" lang="zh-CN" altLang="en-US"/>
+              <a:rPr kumimoji="1" lang="zh-CN" altLang="en-US" dirty="0"/>
               <a:t>内存模型</a:t>
             </a:r>
           </a:p>
@@ -6161,6 +6369,12 @@
               <a:t>章节</a:t>
             </a:r>
             <a:endParaRPr kumimoji="1" lang="en-US" altLang="zh-CN" dirty="0"/>
+          </a:p>
+          <a:p>
+            <a:r>
+              <a:rPr kumimoji="1" lang="en-US" altLang="zh-CN" dirty="0"/>
+              <a:t>JSR-133. Java Memory Model and Thread Specification</a:t>
+            </a:r>
           </a:p>
           <a:p>
             <a:r>
@@ -6306,12 +6520,13 @@
           <a:bodyPr/>
           <a:lstStyle/>
           <a:p>
+            <a:pPr algn="ctr"/>
             <a:r>
               <a:rPr kumimoji="1" lang="en-US" altLang="zh-CN" dirty="0"/>
               <a:t>JMM</a:t>
             </a:r>
             <a:r>
-              <a:rPr kumimoji="1" lang="zh-CN" altLang="en-US"/>
+              <a:rPr kumimoji="1" lang="zh-CN" altLang="en-US" dirty="0"/>
               <a:t>情景分析</a:t>
             </a:r>
           </a:p>
@@ -6350,7 +6565,7 @@
               <a:t>//</a:t>
             </a:r>
             <a:r>
-              <a:rPr lang="zh-CN" altLang="en-US"/>
+              <a:rPr lang="zh-CN" altLang="en-US" dirty="0"/>
               <a:t>并发执行一次</a:t>
             </a:r>
             <a:r>
@@ -6358,7 +6573,7 @@
               <a:t>Task1</a:t>
             </a:r>
             <a:r>
-              <a:rPr lang="zh-CN" altLang="en-US"/>
+              <a:rPr lang="zh-CN" altLang="en-US" dirty="0"/>
               <a:t>和</a:t>
             </a:r>
             <a:r>
@@ -6366,11 +6581,11 @@
               <a:t>Task2,</a:t>
             </a:r>
             <a:r>
-              <a:rPr lang="zh-CN" altLang="en-US"/>
+              <a:rPr lang="zh-CN" altLang="en-US" dirty="0"/>
               <a:t> </a:t>
             </a:r>
             <a:r>
-              <a:rPr lang="zh-CN" altLang="en-US" i="1"/>
+              <a:rPr lang="zh-CN" altLang="en-US" i="1" dirty="0"/>
               <a:t>是否会出现 </a:t>
             </a:r>
             <a:r>
@@ -6378,7 +6593,7 @@
               <a:t>“r1=2</a:t>
             </a:r>
             <a:r>
-              <a:rPr lang="zh-CN" altLang="en-US" i="1"/>
+              <a:rPr lang="zh-CN" altLang="en-US" i="1" dirty="0"/>
               <a:t>并且</a:t>
             </a:r>
             <a:r>
@@ -6466,7 +6681,7 @@
               <a:t>; // </a:t>
             </a:r>
             <a:r>
-              <a:rPr lang="zh-CN" altLang="en-US"/>
+              <a:rPr lang="zh-CN" altLang="en-US" dirty="0"/>
               <a:t>指令</a:t>
             </a:r>
             <a:r>
@@ -6489,7 +6704,7 @@
               <a:t>= 2; // </a:t>
             </a:r>
             <a:r>
-              <a:rPr lang="zh-CN" altLang="en-US"/>
+              <a:rPr lang="zh-CN" altLang="en-US" dirty="0"/>
               <a:t>指令</a:t>
             </a:r>
             <a:r>
@@ -6568,7 +6783,7 @@
               <a:t>; // </a:t>
             </a:r>
             <a:r>
-              <a:rPr lang="zh-CN" altLang="en-US"/>
+              <a:rPr lang="zh-CN" altLang="en-US" dirty="0"/>
               <a:t>指令</a:t>
             </a:r>
             <a:r>
@@ -6591,7 +6806,7 @@
               <a:t>= 2; // </a:t>
             </a:r>
             <a:r>
-              <a:rPr lang="zh-CN" altLang="en-US"/>
+              <a:rPr lang="zh-CN" altLang="en-US" dirty="0"/>
               <a:t>指令</a:t>
             </a:r>
             <a:r>
@@ -6612,7 +6827,135 @@
               <a:rPr lang="en-US" altLang="zh-CN" dirty="0"/>
               <a:t>}</a:t>
             </a:r>
-            <a:endParaRPr kumimoji="1" lang="zh-CN" altLang="en-US"/>
+            <a:endParaRPr kumimoji="1" lang="zh-CN" altLang="en-US" dirty="0"/>
+          </a:p>
+        </p:txBody>
+      </p:sp>
+      <p:sp>
+        <p:nvSpPr>
+          <p:cNvPr id="5" name="文本框 4">
+            <a:extLst>
+              <a:ext uri="{FF2B5EF4-FFF2-40B4-BE49-F238E27FC236}">
+                <a16:creationId xmlns:a16="http://schemas.microsoft.com/office/drawing/2014/main" id="{5B760DFD-CF42-284D-99DA-AFCD1E9E9C49}"/>
+              </a:ext>
+            </a:extLst>
+          </p:cNvPr>
+          <p:cNvSpPr txBox="1"/>
+          <p:nvPr/>
+        </p:nvSpPr>
+        <p:spPr>
+          <a:xfrm>
+            <a:off x="8175171" y="1926771"/>
+            <a:ext cx="3222171" cy="1938992"/>
+          </a:xfrm>
+          <a:prstGeom prst="rect">
+            <a:avLst/>
+          </a:prstGeom>
+          <a:noFill/>
+        </p:spPr>
+        <p:txBody>
+          <a:bodyPr wrap="square" rtlCol="0">
+            <a:spAutoFit/>
+          </a:bodyPr>
+          <a:lstStyle/>
+          <a:p>
+            <a:r>
+              <a:rPr kumimoji="1" lang="zh-CN" altLang="en-US" sz="2400" dirty="0"/>
+              <a:t>内存屏障类型</a:t>
+            </a:r>
+            <a:endParaRPr kumimoji="1" lang="en-US" altLang="zh-CN" sz="2400" dirty="0"/>
+          </a:p>
+          <a:p>
+            <a:r>
+              <a:rPr kumimoji="1" lang="en-US" altLang="zh-CN" sz="2400" dirty="0"/>
+              <a:t>#</a:t>
+            </a:r>
+            <a:r>
+              <a:rPr kumimoji="1" lang="en-US" altLang="zh-CN" sz="2400" dirty="0" err="1">
+                <a:solidFill>
+                  <a:srgbClr val="0070C0"/>
+                </a:solidFill>
+              </a:rPr>
+              <a:t>LoadLoad</a:t>
+            </a:r>
+            <a:endParaRPr kumimoji="1" lang="en-US" altLang="zh-CN" sz="2400" dirty="0">
+              <a:solidFill>
+                <a:srgbClr val="0070C0"/>
+              </a:solidFill>
+            </a:endParaRPr>
+          </a:p>
+          <a:p>
+            <a:r>
+              <a:rPr kumimoji="1" lang="en-US" altLang="zh-CN" sz="2400" dirty="0"/>
+              <a:t>#</a:t>
+            </a:r>
+            <a:r>
+              <a:rPr kumimoji="1" lang="en-US" altLang="zh-CN" sz="2400" dirty="0" err="1">
+                <a:solidFill>
+                  <a:srgbClr val="FF0000"/>
+                </a:solidFill>
+              </a:rPr>
+              <a:t>StoreStore</a:t>
+            </a:r>
+            <a:endParaRPr kumimoji="1" lang="en-US" altLang="zh-CN" sz="2400" dirty="0">
+              <a:solidFill>
+                <a:srgbClr val="0070C0"/>
+              </a:solidFill>
+            </a:endParaRPr>
+          </a:p>
+          <a:p>
+            <a:r>
+              <a:rPr kumimoji="1" lang="en-US" altLang="zh-CN" sz="2400" dirty="0"/>
+              <a:t>#</a:t>
+            </a:r>
+            <a:r>
+              <a:rPr kumimoji="1" lang="en-US" altLang="zh-CN" sz="2400" dirty="0" err="1">
+                <a:solidFill>
+                  <a:srgbClr val="0070C0"/>
+                </a:solidFill>
+              </a:rPr>
+              <a:t>Load</a:t>
+            </a:r>
+            <a:r>
+              <a:rPr kumimoji="1" lang="en-US" altLang="zh-CN" sz="2400" dirty="0" err="1">
+                <a:solidFill>
+                  <a:srgbClr val="FF0000"/>
+                </a:solidFill>
+              </a:rPr>
+              <a:t>Store</a:t>
+            </a:r>
+            <a:endParaRPr kumimoji="1" lang="en-US" altLang="zh-CN" sz="2400" dirty="0">
+              <a:solidFill>
+                <a:srgbClr val="FF0000"/>
+              </a:solidFill>
+            </a:endParaRPr>
+          </a:p>
+          <a:p>
+            <a:r>
+              <a:rPr kumimoji="1" lang="en-US" altLang="zh-CN" sz="2400" dirty="0"/>
+              <a:t>#</a:t>
+            </a:r>
+            <a:r>
+              <a:rPr kumimoji="1" lang="en-US" altLang="zh-CN" sz="2400" dirty="0" err="1">
+                <a:solidFill>
+                  <a:srgbClr val="FF0000"/>
+                </a:solidFill>
+              </a:rPr>
+              <a:t>Store</a:t>
+            </a:r>
+            <a:r>
+              <a:rPr kumimoji="1" lang="en-US" altLang="zh-CN" sz="2400" dirty="0" err="1">
+                <a:solidFill>
+                  <a:srgbClr val="0070C0"/>
+                </a:solidFill>
+              </a:rPr>
+              <a:t>Load</a:t>
+            </a:r>
+            <a:endParaRPr kumimoji="1" lang="zh-CN" altLang="en-US" sz="2400" dirty="0">
+              <a:solidFill>
+                <a:srgbClr val="FF0000"/>
+              </a:solidFill>
+            </a:endParaRPr>
           </a:p>
         </p:txBody>
       </p:sp>
@@ -6667,8 +7010,9 @@
           <a:bodyPr/>
           <a:lstStyle/>
           <a:p>
-            <a:r>
-              <a:rPr kumimoji="1" lang="zh-CN" altLang="en-US"/>
+            <a:pPr algn="ctr"/>
+            <a:r>
+              <a:rPr kumimoji="1" lang="zh-CN" altLang="en-US" dirty="0"/>
               <a:t>锁的特性分类</a:t>
             </a:r>
           </a:p>
@@ -6698,14 +7042,14 @@
           <a:lstStyle/>
           <a:p>
             <a:r>
-              <a:rPr kumimoji="1" lang="zh-CN" altLang="en-US"/>
+              <a:rPr kumimoji="1" lang="zh-CN" altLang="en-US" dirty="0"/>
               <a:t>可重入锁</a:t>
             </a:r>
             <a:endParaRPr kumimoji="1" lang="en-US" altLang="zh-CN" dirty="0"/>
           </a:p>
           <a:p>
             <a:r>
-              <a:rPr kumimoji="1" lang="zh-CN" altLang="en-US"/>
+              <a:rPr kumimoji="1" lang="zh-CN" altLang="en-US" dirty="0"/>
               <a:t>公平锁</a:t>
             </a:r>
             <a:r>
@@ -6713,14 +7057,14 @@
               <a:t>/</a:t>
             </a:r>
             <a:r>
-              <a:rPr lang="zh-CN" altLang="en-US"/>
+              <a:rPr lang="zh-CN" altLang="en-US" dirty="0"/>
               <a:t>非公平锁</a:t>
             </a:r>
             <a:endParaRPr kumimoji="1" lang="en-US" altLang="zh-CN" dirty="0"/>
           </a:p>
           <a:p>
             <a:r>
-              <a:rPr kumimoji="1" lang="zh-CN" altLang="en-US"/>
+              <a:rPr kumimoji="1" lang="zh-CN" altLang="en-US" dirty="0"/>
               <a:t>共享锁</a:t>
             </a:r>
             <a:r>
@@ -6728,7 +7072,7 @@
               <a:t>/</a:t>
             </a:r>
             <a:r>
-              <a:rPr kumimoji="1" lang="zh-CN" altLang="en-US"/>
+              <a:rPr kumimoji="1" lang="zh-CN" altLang="en-US" dirty="0"/>
               <a:t>排他锁</a:t>
             </a:r>
             <a:r>
@@ -6736,7 +7080,7 @@
               <a:t>/</a:t>
             </a:r>
             <a:r>
-              <a:rPr kumimoji="1" lang="zh-CN" altLang="en-US"/>
+              <a:rPr kumimoji="1" lang="zh-CN" altLang="en-US" dirty="0"/>
               <a:t>互斥锁</a:t>
             </a:r>
             <a:r>
@@ -6744,21 +7088,21 @@
               <a:t>/</a:t>
             </a:r>
             <a:r>
-              <a:rPr kumimoji="1" lang="zh-CN" altLang="en-US"/>
+              <a:rPr kumimoji="1" lang="zh-CN" altLang="en-US" dirty="0"/>
               <a:t>读写锁</a:t>
             </a:r>
             <a:endParaRPr kumimoji="1" lang="en-US" altLang="zh-CN" dirty="0"/>
           </a:p>
           <a:p>
             <a:r>
-              <a:rPr kumimoji="1" lang="zh-CN" altLang="en-US"/>
+              <a:rPr kumimoji="1" lang="zh-CN" altLang="en-US" dirty="0"/>
               <a:t>自旋</a:t>
             </a:r>
             <a:endParaRPr kumimoji="1" lang="en-US" altLang="zh-CN" dirty="0"/>
           </a:p>
           <a:p>
             <a:r>
-              <a:rPr kumimoji="1" lang="zh-CN" altLang="en-US"/>
+              <a:rPr kumimoji="1" lang="zh-CN" altLang="en-US" dirty="0"/>
               <a:t>乐观</a:t>
             </a:r>
             <a:r>
@@ -6766,14 +7110,14 @@
               <a:t>/</a:t>
             </a:r>
             <a:r>
-              <a:rPr kumimoji="1" lang="zh-CN" altLang="en-US"/>
+              <a:rPr kumimoji="1" lang="zh-CN" altLang="en-US" dirty="0"/>
               <a:t>悲观</a:t>
             </a:r>
             <a:endParaRPr kumimoji="1" lang="en-US" altLang="zh-CN" dirty="0"/>
           </a:p>
           <a:p>
             <a:r>
-              <a:rPr kumimoji="1" lang="zh-CN" altLang="en-US"/>
+              <a:rPr kumimoji="1" lang="zh-CN" altLang="en-US" dirty="0"/>
               <a:t>物理锁</a:t>
             </a:r>
             <a:r>
@@ -6781,70 +7125,45 @@
               <a:t>/</a:t>
             </a:r>
             <a:r>
-              <a:rPr kumimoji="1" lang="zh-CN" altLang="en-US"/>
+              <a:rPr kumimoji="1" lang="zh-CN" altLang="en-US" dirty="0"/>
               <a:t>逻辑锁</a:t>
             </a:r>
             <a:endParaRPr kumimoji="1" lang="en-US" altLang="zh-CN" dirty="0"/>
           </a:p>
           <a:p>
             <a:r>
-              <a:rPr kumimoji="1" lang="zh-CN" altLang="en-US"/>
+              <a:rPr kumimoji="1" lang="zh-CN" altLang="en-US" dirty="0"/>
               <a:t>偏向锁</a:t>
             </a:r>
             <a:r>
               <a:rPr kumimoji="1" lang="en-US" altLang="zh-CN" dirty="0"/>
               <a:t>/</a:t>
             </a:r>
-          </a:p>
-          <a:p>
-            <a:r>
-              <a:rPr kumimoji="1" lang="zh-CN" altLang="en-US"/>
+            <a:r>
+              <a:rPr kumimoji="1" lang="zh-CN" altLang="en-US" dirty="0"/>
+              <a:t>重量级锁</a:t>
+            </a:r>
+            <a:endParaRPr kumimoji="1" lang="en-US" altLang="zh-CN" dirty="0"/>
+          </a:p>
+          <a:p>
+            <a:r>
+              <a:rPr kumimoji="1" lang="zh-CN" altLang="en-US" dirty="0"/>
               <a:t>分布式锁</a:t>
             </a:r>
             <a:endParaRPr kumimoji="1" lang="en-US" altLang="zh-CN" dirty="0"/>
           </a:p>
           <a:p>
             <a:r>
-              <a:rPr kumimoji="1" lang="zh-CN" altLang="en-US"/>
+              <a:rPr kumimoji="1" lang="zh-CN" altLang="en-US" dirty="0"/>
               <a:t>锁的粒度</a:t>
             </a:r>
             <a:endParaRPr kumimoji="1" lang="en-US" altLang="zh-CN" dirty="0"/>
           </a:p>
           <a:p>
-            <a:endParaRPr kumimoji="1" lang="zh-CN" altLang="en-US"/>
-          </a:p>
-        </p:txBody>
-      </p:sp>
-      <p:pic>
-        <p:nvPicPr>
-          <p:cNvPr id="5" name="图片 4">
-            <a:extLst>
-              <a:ext uri="{FF2B5EF4-FFF2-40B4-BE49-F238E27FC236}">
-                <a16:creationId xmlns:a16="http://schemas.microsoft.com/office/drawing/2014/main" id="{4D352590-27C0-8543-B9AD-1BCE2C1F2A40}"/>
-              </a:ext>
-            </a:extLst>
-          </p:cNvPr>
-          <p:cNvPicPr>
-            <a:picLocks noChangeAspect="1"/>
-          </p:cNvPicPr>
-          <p:nvPr/>
-        </p:nvPicPr>
-        <p:blipFill>
-          <a:blip r:embed="rId2"/>
-          <a:stretch>
-            <a:fillRect/>
-          </a:stretch>
-        </p:blipFill>
-        <p:spPr>
-          <a:xfrm>
-            <a:off x="7892143" y="2808515"/>
-            <a:ext cx="3048000" cy="3048000"/>
-          </a:xfrm>
-          <a:prstGeom prst="rect">
-            <a:avLst/>
-          </a:prstGeom>
-        </p:spPr>
-      </p:pic>
+            <a:endParaRPr kumimoji="1" lang="zh-CN" altLang="en-US" dirty="0"/>
+          </a:p>
+        </p:txBody>
+      </p:sp>
     </p:spTree>
     <p:extLst>
       <p:ext uri="{BB962C8B-B14F-4D97-AF65-F5344CB8AC3E}">
@@ -6896,19 +7215,20 @@
           <a:bodyPr/>
           <a:lstStyle/>
           <a:p>
+            <a:pPr algn="ctr"/>
             <a:r>
               <a:rPr kumimoji="1" lang="en-US" altLang="zh-CN" dirty="0"/>
               <a:t>Monitor</a:t>
             </a:r>
             <a:r>
-              <a:rPr kumimoji="1" lang="zh-CN" altLang="en-US"/>
+              <a:rPr kumimoji="1" lang="zh-CN" altLang="en-US" dirty="0"/>
               <a:t>与</a:t>
             </a:r>
             <a:r>
               <a:rPr kumimoji="1" lang="en-US" altLang="zh-CN" dirty="0"/>
               <a:t>Lock</a:t>
             </a:r>
-            <a:endParaRPr kumimoji="1" lang="zh-CN" altLang="en-US"/>
+            <a:endParaRPr kumimoji="1" lang="zh-CN" altLang="en-US" dirty="0"/>
           </a:p>
         </p:txBody>
       </p:sp>
@@ -6944,7 +7264,7 @@
               <a:t>Monitor, </a:t>
             </a:r>
             <a:r>
-              <a:rPr kumimoji="1" lang="zh-CN" altLang="en-US"/>
+              <a:rPr kumimoji="1" lang="zh-CN" altLang="en-US" dirty="0"/>
               <a:t>管程</a:t>
             </a:r>
             <a:endParaRPr kumimoji="1" lang="en-US" altLang="zh-CN" dirty="0"/>
@@ -6970,6 +7290,36 @@
           </a:p>
         </p:txBody>
       </p:sp>
+      <p:pic>
+        <p:nvPicPr>
+          <p:cNvPr id="5" name="图片 4">
+            <a:extLst>
+              <a:ext uri="{FF2B5EF4-FFF2-40B4-BE49-F238E27FC236}">
+                <a16:creationId xmlns:a16="http://schemas.microsoft.com/office/drawing/2014/main" id="{45A92385-F9CB-5A48-8FCE-378C6E9A1D89}"/>
+              </a:ext>
+            </a:extLst>
+          </p:cNvPr>
+          <p:cNvPicPr>
+            <a:picLocks noChangeAspect="1"/>
+          </p:cNvPicPr>
+          <p:nvPr/>
+        </p:nvPicPr>
+        <p:blipFill>
+          <a:blip r:embed="rId2"/>
+          <a:stretch>
+            <a:fillRect/>
+          </a:stretch>
+        </p:blipFill>
+        <p:spPr>
+          <a:xfrm>
+            <a:off x="6926200" y="1530652"/>
+            <a:ext cx="4177229" cy="5185834"/>
+          </a:xfrm>
+          <a:prstGeom prst="rect">
+            <a:avLst/>
+          </a:prstGeom>
+        </p:spPr>
+      </p:pic>
     </p:spTree>
     <p:extLst>
       <p:ext uri="{BB962C8B-B14F-4D97-AF65-F5344CB8AC3E}">
@@ -7043,14 +7393,14 @@
           <p:nvPr>
             <p:extLst>
               <p:ext uri="{D42A27DB-BD31-4B8C-83A1-F6EECF244321}">
-                <p14:modId xmlns:p14="http://schemas.microsoft.com/office/powerpoint/2010/main" val="3187679344"/>
+                <p14:modId xmlns:p14="http://schemas.microsoft.com/office/powerpoint/2010/main" val="3098948897"/>
               </p:ext>
             </p:extLst>
           </p:nvPr>
         </p:nvGraphicFramePr>
         <p:xfrm>
-          <a:off x="4673600" y="261014"/>
-          <a:ext cx="6908800" cy="6492240"/>
+          <a:off x="4815115" y="1338699"/>
+          <a:ext cx="6908800" cy="5151120"/>
         </p:xfrm>
         <a:graphic>
           <a:graphicData uri="http://schemas.openxmlformats.org/drawingml/2006/table">
@@ -7091,7 +7441,7 @@
                     <a:lstStyle/>
                     <a:p>
                       <a:r>
-                        <a:rPr lang="en-US" altLang="zh-CN" sz="1800" b="1" kern="1200" dirty="0">
+                        <a:rPr lang="en-US" altLang="zh-CN" sz="1400" b="1" kern="1200" dirty="0">
                           <a:solidFill>
                             <a:schemeClr val="dk1"/>
                           </a:solidFill>
@@ -7103,14 +7453,14 @@
                         <a:t>import </a:t>
                       </a:r>
                       <a:r>
-                        <a:rPr lang="en-US" altLang="zh-CN" dirty="0"/>
+                        <a:rPr lang="en-US" altLang="zh-CN" sz="1400" dirty="0"/>
                         <a:t>org.openjdk.jol.info.ClassLayout;</a:t>
                       </a:r>
                       <a:br>
-                        <a:rPr lang="en-US" altLang="zh-CN" dirty="0"/>
+                        <a:rPr lang="en-US" altLang="zh-CN" sz="1400" dirty="0"/>
                       </a:br>
                       <a:r>
-                        <a:rPr lang="en-US" altLang="zh-CN" sz="1800" b="1" kern="1200" dirty="0">
+                        <a:rPr lang="en-US" altLang="zh-CN" sz="1400" b="1" kern="1200" dirty="0">
                           <a:solidFill>
                             <a:schemeClr val="dk1"/>
                           </a:solidFill>
@@ -7122,14 +7472,14 @@
                         <a:t>import </a:t>
                       </a:r>
                       <a:r>
-                        <a:rPr lang="en-US" altLang="zh-CN" dirty="0"/>
+                        <a:rPr lang="en-US" altLang="zh-CN" sz="1400" dirty="0"/>
                         <a:t>org.openjdk.jol.vm.VM;</a:t>
                       </a:r>
                       <a:br>
-                        <a:rPr lang="en-US" altLang="zh-CN" dirty="0"/>
+                        <a:rPr lang="en-US" altLang="zh-CN" sz="1400" dirty="0"/>
                       </a:br>
                       <a:r>
-                        <a:rPr lang="en-US" altLang="zh-CN" sz="1800" b="1" kern="1200" dirty="0">
+                        <a:rPr lang="en-US" altLang="zh-CN" sz="1400" b="1" kern="1200" dirty="0">
                           <a:solidFill>
                             <a:schemeClr val="dk1"/>
                           </a:solidFill>
@@ -7141,14 +7491,14 @@
                         <a:t>import </a:t>
                       </a:r>
                       <a:r>
-                        <a:rPr lang="en-US" altLang="zh-CN" dirty="0"/>
+                        <a:rPr lang="en-US" altLang="zh-CN" sz="1400" dirty="0"/>
                         <a:t>java.util.concurrent.TimeUnit;</a:t>
                       </a:r>
                       <a:br>
-                        <a:rPr lang="en-US" altLang="zh-CN" dirty="0"/>
+                        <a:rPr lang="en-US" altLang="zh-CN" sz="1400" dirty="0"/>
                       </a:br>
                       <a:r>
-                        <a:rPr lang="en-US" altLang="zh-CN" sz="1800" b="1" kern="1200" dirty="0">
+                        <a:rPr lang="en-US" altLang="zh-CN" sz="1400" b="1" kern="1200" dirty="0">
                           <a:solidFill>
                             <a:schemeClr val="dk1"/>
                           </a:solidFill>
@@ -7160,18 +7510,18 @@
                         <a:t>public class </a:t>
                       </a:r>
                       <a:r>
-                        <a:rPr lang="en-US" altLang="zh-CN" dirty="0"/>
+                        <a:rPr lang="en-US" altLang="zh-CN" sz="1400" dirty="0"/>
                         <a:t>JOLSample_13_BiasedLocking {</a:t>
                       </a:r>
                       <a:br>
-                        <a:rPr lang="en-US" altLang="zh-CN" dirty="0"/>
+                        <a:rPr lang="en-US" altLang="zh-CN" sz="1400" dirty="0"/>
                       </a:br>
                       <a:r>
-                        <a:rPr lang="en-US" altLang="zh-CN" dirty="0"/>
+                        <a:rPr lang="en-US" altLang="zh-CN" sz="1400" dirty="0"/>
                         <a:t>    </a:t>
                       </a:r>
                       <a:r>
-                        <a:rPr lang="en-US" altLang="zh-CN" sz="1800" b="1" kern="1200" dirty="0">
+                        <a:rPr lang="en-US" altLang="zh-CN" sz="1400" b="1" kern="1200" dirty="0">
                           <a:solidFill>
                             <a:schemeClr val="dk1"/>
                           </a:solidFill>
@@ -7183,11 +7533,11 @@
                         <a:t>public static void </a:t>
                       </a:r>
                       <a:r>
-                        <a:rPr lang="en-US" altLang="zh-CN" dirty="0"/>
+                        <a:rPr lang="en-US" altLang="zh-CN" sz="1400" dirty="0"/>
                         <a:t>main(String[] args) </a:t>
                       </a:r>
                       <a:r>
-                        <a:rPr lang="en-US" altLang="zh-CN" sz="1800" b="1" kern="1200" dirty="0">
+                        <a:rPr lang="en-US" altLang="zh-CN" sz="1400" b="1" kern="1200" dirty="0">
                           <a:solidFill>
                             <a:schemeClr val="dk1"/>
                           </a:solidFill>
@@ -7199,18 +7549,18 @@
                         <a:t>throws </a:t>
                       </a:r>
                       <a:r>
-                        <a:rPr lang="en-US" altLang="zh-CN" dirty="0"/>
+                        <a:rPr lang="en-US" altLang="zh-CN" sz="1400" dirty="0"/>
                         <a:t>Exception {</a:t>
                       </a:r>
                       <a:br>
-                        <a:rPr lang="en-US" altLang="zh-CN" dirty="0"/>
+                        <a:rPr lang="en-US" altLang="zh-CN" sz="1400" dirty="0"/>
                       </a:br>
                       <a:r>
-                        <a:rPr lang="en-US" altLang="zh-CN" dirty="0"/>
+                        <a:rPr lang="en-US" altLang="zh-CN" sz="1400" dirty="0"/>
                         <a:t>        System.</a:t>
                       </a:r>
                       <a:r>
-                        <a:rPr lang="en-US" altLang="zh-CN" sz="1800" b="1" i="1" kern="1200" dirty="0">
+                        <a:rPr lang="en-US" altLang="zh-CN" sz="1400" b="1" i="1" kern="1200" dirty="0">
                           <a:solidFill>
                             <a:schemeClr val="dk1"/>
                           </a:solidFill>
@@ -7222,28 +7572,28 @@
                         <a:t>out</a:t>
                       </a:r>
                       <a:r>
-                        <a:rPr lang="en-US" altLang="zh-CN" dirty="0"/>
+                        <a:rPr lang="en-US" altLang="zh-CN" sz="1400" dirty="0"/>
                         <a:t>.println(VM.</a:t>
                       </a:r>
                       <a:r>
-                        <a:rPr lang="en-US" altLang="zh-CN" i="1" dirty="0">
+                        <a:rPr lang="en-US" altLang="zh-CN" sz="1400" i="1" dirty="0">
                           <a:effectLst/>
                         </a:rPr>
                         <a:t>current</a:t>
                       </a:r>
                       <a:r>
-                        <a:rPr lang="en-US" altLang="zh-CN" dirty="0"/>
+                        <a:rPr lang="en-US" altLang="zh-CN" sz="1400" dirty="0"/>
                         <a:t>().details());</a:t>
                       </a:r>
                       <a:br>
-                        <a:rPr lang="en-US" altLang="zh-CN" dirty="0"/>
+                        <a:rPr lang="en-US" altLang="zh-CN" sz="1400" dirty="0"/>
                       </a:br>
                       <a:r>
-                        <a:rPr lang="en-US" altLang="zh-CN" dirty="0"/>
+                        <a:rPr lang="en-US" altLang="zh-CN" sz="1400" dirty="0"/>
                         <a:t>        </a:t>
                       </a:r>
                       <a:r>
-                        <a:rPr lang="en-US" altLang="zh-CN" sz="1800" i="1" kern="1200" dirty="0">
+                        <a:rPr lang="en-US" altLang="zh-CN" sz="1400" i="1" kern="1200" dirty="0">
                           <a:solidFill>
                             <a:schemeClr val="dk1"/>
                           </a:solidFill>
@@ -7255,7 +7605,7 @@
                         <a:t>// sleep &gt;5 seconds to pass the grace period of biased locking</a:t>
                       </a:r>
                       <a:br>
-                        <a:rPr lang="en-US" altLang="zh-CN" sz="1800" i="1" kern="1200" dirty="0">
+                        <a:rPr lang="en-US" altLang="zh-CN" sz="1400" i="1" kern="1200" dirty="0">
                           <a:solidFill>
                             <a:schemeClr val="dk1"/>
                           </a:solidFill>
@@ -7266,7 +7616,7 @@
                         </a:rPr>
                       </a:br>
                       <a:r>
-                        <a:rPr lang="en-US" altLang="zh-CN" sz="1800" i="1" kern="1200" dirty="0">
+                        <a:rPr lang="en-US" altLang="zh-CN" sz="1400" i="1" kern="1200" dirty="0">
                           <a:solidFill>
                             <a:schemeClr val="dk1"/>
                           </a:solidFill>
@@ -7278,11 +7628,11 @@
                         <a:t>        </a:t>
                       </a:r>
                       <a:r>
-                        <a:rPr lang="en-US" altLang="zh-CN" dirty="0"/>
+                        <a:rPr lang="en-US" altLang="zh-CN" sz="1400" dirty="0"/>
                         <a:t>TimeUnit.</a:t>
                       </a:r>
                       <a:r>
-                        <a:rPr lang="en-US" altLang="zh-CN" sz="1800" b="1" i="1" kern="1200" dirty="0">
+                        <a:rPr lang="en-US" altLang="zh-CN" sz="1400" b="1" i="1" kern="1200" dirty="0">
                           <a:solidFill>
                             <a:schemeClr val="dk1"/>
                           </a:solidFill>
@@ -7294,11 +7644,11 @@
                         <a:t>SECONDS</a:t>
                       </a:r>
                       <a:r>
-                        <a:rPr lang="en-US" altLang="zh-CN" dirty="0"/>
+                        <a:rPr lang="en-US" altLang="zh-CN" sz="1400" dirty="0"/>
                         <a:t>.sleep(</a:t>
                       </a:r>
                       <a:r>
-                        <a:rPr lang="en-US" altLang="zh-CN" sz="1800" kern="1200" dirty="0">
+                        <a:rPr lang="en-US" altLang="zh-CN" sz="1400" kern="1200" dirty="0">
                           <a:solidFill>
                             <a:schemeClr val="dk1"/>
                           </a:solidFill>
@@ -7310,18 +7660,18 @@
                         <a:t>6</a:t>
                       </a:r>
                       <a:r>
-                        <a:rPr lang="en-US" altLang="zh-CN" dirty="0"/>
+                        <a:rPr lang="en-US" altLang="zh-CN" sz="1400" dirty="0"/>
                         <a:t>);</a:t>
                       </a:r>
                       <a:br>
-                        <a:rPr lang="en-US" altLang="zh-CN" dirty="0"/>
+                        <a:rPr lang="en-US" altLang="zh-CN" sz="1400" dirty="0"/>
                       </a:br>
                       <a:r>
-                        <a:rPr lang="en-US" altLang="zh-CN" dirty="0"/>
+                        <a:rPr lang="en-US" altLang="zh-CN" sz="1400" dirty="0"/>
                         <a:t>        </a:t>
                       </a:r>
                       <a:r>
-                        <a:rPr lang="en-US" altLang="zh-CN" sz="1800" b="1" kern="1200" dirty="0">
+                        <a:rPr lang="en-US" altLang="zh-CN" sz="1400" b="1" kern="1200" dirty="0">
                           <a:solidFill>
                             <a:schemeClr val="dk1"/>
                           </a:solidFill>
@@ -7333,11 +7683,11 @@
                         <a:t>final </a:t>
                       </a:r>
                       <a:r>
-                        <a:rPr lang="en-US" altLang="zh-CN" dirty="0"/>
+                        <a:rPr lang="en-US" altLang="zh-CN" sz="1400" dirty="0"/>
                         <a:t>A a = </a:t>
                       </a:r>
                       <a:r>
-                        <a:rPr lang="en-US" altLang="zh-CN" sz="1800" b="1" kern="1200" dirty="0">
+                        <a:rPr lang="en-US" altLang="zh-CN" sz="1400" b="1" kern="1200" dirty="0">
                           <a:solidFill>
                             <a:schemeClr val="dk1"/>
                           </a:solidFill>
@@ -7349,55 +7699,55 @@
                         <a:t>new </a:t>
                       </a:r>
                       <a:r>
-                        <a:rPr lang="en-US" altLang="zh-CN" dirty="0"/>
+                        <a:rPr lang="en-US" altLang="zh-CN" sz="1400" dirty="0"/>
                         <a:t>A();</a:t>
                       </a:r>
                       <a:br>
-                        <a:rPr lang="en-US" altLang="zh-CN" dirty="0"/>
+                        <a:rPr lang="en-US" altLang="zh-CN" sz="1400" dirty="0"/>
                       </a:br>
                       <a:r>
-                        <a:rPr lang="en-US" altLang="zh-CN" dirty="0"/>
+                        <a:rPr lang="en-US" altLang="zh-CN" sz="1400" dirty="0"/>
                         <a:t>        </a:t>
                       </a:r>
                       <a:r>
-                        <a:rPr lang="en-US" altLang="zh-CN" dirty="0">
+                        <a:rPr lang="en-US" altLang="zh-CN" sz="1400" dirty="0">
                           <a:effectLst/>
                         </a:rPr>
                         <a:t>ClassLayout</a:t>
                       </a:r>
                       <a:r>
-                        <a:rPr lang="en-US" altLang="zh-CN" dirty="0"/>
+                        <a:rPr lang="en-US" altLang="zh-CN" sz="1400" dirty="0"/>
                         <a:t> layout = </a:t>
                       </a:r>
                       <a:r>
-                        <a:rPr lang="en-US" altLang="zh-CN" dirty="0">
+                        <a:rPr lang="en-US" altLang="zh-CN" sz="1400" dirty="0">
                           <a:effectLst/>
                         </a:rPr>
                         <a:t>ClassLayout</a:t>
                       </a:r>
                       <a:r>
-                        <a:rPr lang="en-US" altLang="zh-CN" dirty="0"/>
+                        <a:rPr lang="en-US" altLang="zh-CN" sz="1400" dirty="0"/>
                         <a:t>.</a:t>
                       </a:r>
                       <a:r>
-                        <a:rPr lang="en-US" altLang="zh-CN" i="1" dirty="0">
+                        <a:rPr lang="en-US" altLang="zh-CN" sz="1400" i="1" dirty="0">
                           <a:effectLst/>
                         </a:rPr>
                         <a:t>parseInstance</a:t>
                       </a:r>
                       <a:r>
-                        <a:rPr lang="en-US" altLang="zh-CN" dirty="0"/>
+                        <a:rPr lang="en-US" altLang="zh-CN" sz="1400" dirty="0"/>
                         <a:t>(a);</a:t>
                       </a:r>
                       <a:br>
-                        <a:rPr lang="en-US" altLang="zh-CN" dirty="0"/>
+                        <a:rPr lang="en-US" altLang="zh-CN" sz="1400" dirty="0"/>
                       </a:br>
                       <a:r>
-                        <a:rPr lang="en-US" altLang="zh-CN" dirty="0"/>
+                        <a:rPr lang="en-US" altLang="zh-CN" sz="1400" dirty="0"/>
                         <a:t>        System.</a:t>
                       </a:r>
                       <a:r>
-                        <a:rPr lang="en-US" altLang="zh-CN" sz="1800" b="1" i="1" kern="1200" dirty="0">
+                        <a:rPr lang="en-US" altLang="zh-CN" sz="1400" b="1" i="1" kern="1200" dirty="0">
                           <a:solidFill>
                             <a:schemeClr val="dk1"/>
                           </a:solidFill>
@@ -7409,11 +7759,11 @@
                         <a:t>out</a:t>
                       </a:r>
                       <a:r>
-                        <a:rPr lang="en-US" altLang="zh-CN" dirty="0"/>
+                        <a:rPr lang="en-US" altLang="zh-CN" sz="1400" dirty="0"/>
                         <a:t>.println(</a:t>
                       </a:r>
                       <a:r>
-                        <a:rPr lang="en-US" altLang="zh-CN" sz="1800" b="1" kern="1200" dirty="0">
+                        <a:rPr lang="en-US" altLang="zh-CN" sz="1400" b="1" kern="1200" dirty="0">
                           <a:solidFill>
                             <a:schemeClr val="dk1"/>
                           </a:solidFill>
@@ -7425,18 +7775,18 @@
                         <a:t>"**** Fresh object"</a:t>
                       </a:r>
                       <a:r>
-                        <a:rPr lang="en-US" altLang="zh-CN" dirty="0"/>
+                        <a:rPr lang="en-US" altLang="zh-CN" sz="1400" dirty="0"/>
                         <a:t>);</a:t>
                       </a:r>
                       <a:br>
-                        <a:rPr lang="en-US" altLang="zh-CN" dirty="0"/>
+                        <a:rPr lang="en-US" altLang="zh-CN" sz="1400" dirty="0"/>
                       </a:br>
                       <a:r>
-                        <a:rPr lang="en-US" altLang="zh-CN" dirty="0"/>
+                        <a:rPr lang="en-US" altLang="zh-CN" sz="1400" dirty="0"/>
                         <a:t>        System.</a:t>
                       </a:r>
                       <a:r>
-                        <a:rPr lang="en-US" altLang="zh-CN" sz="1800" b="1" i="1" kern="1200" dirty="0">
+                        <a:rPr lang="en-US" altLang="zh-CN" sz="1400" b="1" i="1" kern="1200" dirty="0">
                           <a:solidFill>
                             <a:schemeClr val="dk1"/>
                           </a:solidFill>
@@ -7448,18 +7798,18 @@
                         <a:t>out</a:t>
                       </a:r>
                       <a:r>
-                        <a:rPr lang="en-US" altLang="zh-CN" dirty="0"/>
+                        <a:rPr lang="en-US" altLang="zh-CN" sz="1400" dirty="0"/>
                         <a:t>.println(layout.toPrintable());</a:t>
                       </a:r>
                       <a:br>
-                        <a:rPr lang="en-US" altLang="zh-CN" dirty="0"/>
+                        <a:rPr lang="en-US" altLang="zh-CN" sz="1400" dirty="0"/>
                       </a:br>
                       <a:r>
-                        <a:rPr lang="en-US" altLang="zh-CN" dirty="0"/>
+                        <a:rPr lang="en-US" altLang="zh-CN" sz="1400" dirty="0"/>
                         <a:t>        </a:t>
                       </a:r>
                       <a:r>
-                        <a:rPr lang="en-US" altLang="zh-CN" sz="1800" b="1" kern="1200" dirty="0">
+                        <a:rPr lang="en-US" altLang="zh-CN" sz="1400" b="1" kern="1200" dirty="0">
                           <a:solidFill>
                             <a:schemeClr val="dk1"/>
                           </a:solidFill>
@@ -7471,18 +7821,18 @@
                         <a:t>synchronized </a:t>
                       </a:r>
                       <a:r>
-                        <a:rPr lang="en-US" altLang="zh-CN" dirty="0"/>
+                        <a:rPr lang="en-US" altLang="zh-CN" sz="1400" dirty="0"/>
                         <a:t>(a) {</a:t>
                       </a:r>
                       <a:br>
-                        <a:rPr lang="en-US" altLang="zh-CN" dirty="0"/>
+                        <a:rPr lang="en-US" altLang="zh-CN" sz="1400" dirty="0"/>
                       </a:br>
                       <a:r>
-                        <a:rPr lang="en-US" altLang="zh-CN" dirty="0"/>
+                        <a:rPr lang="en-US" altLang="zh-CN" sz="1400" dirty="0"/>
                         <a:t>            System.</a:t>
                       </a:r>
                       <a:r>
-                        <a:rPr lang="en-US" altLang="zh-CN" sz="1800" b="1" i="1" kern="1200" dirty="0">
+                        <a:rPr lang="en-US" altLang="zh-CN" sz="1400" b="1" i="1" kern="1200" dirty="0">
                           <a:solidFill>
                             <a:schemeClr val="dk1"/>
                           </a:solidFill>
@@ -7494,11 +7844,11 @@
                         <a:t>out</a:t>
                       </a:r>
                       <a:r>
-                        <a:rPr lang="en-US" altLang="zh-CN" dirty="0"/>
+                        <a:rPr lang="en-US" altLang="zh-CN" sz="1400" dirty="0"/>
                         <a:t>.println(</a:t>
                       </a:r>
                       <a:r>
-                        <a:rPr lang="en-US" altLang="zh-CN" sz="1800" b="1" kern="1200" dirty="0">
+                        <a:rPr lang="en-US" altLang="zh-CN" sz="1400" b="1" kern="1200" dirty="0">
                           <a:solidFill>
                             <a:schemeClr val="dk1"/>
                           </a:solidFill>
@@ -7510,18 +7860,18 @@
                         <a:t>"**** With the lock"</a:t>
                       </a:r>
                       <a:r>
-                        <a:rPr lang="en-US" altLang="zh-CN" dirty="0"/>
+                        <a:rPr lang="en-US" altLang="zh-CN" sz="1400" dirty="0"/>
                         <a:t>);</a:t>
                       </a:r>
                       <a:br>
-                        <a:rPr lang="en-US" altLang="zh-CN" dirty="0"/>
+                        <a:rPr lang="en-US" altLang="zh-CN" sz="1400" dirty="0"/>
                       </a:br>
                       <a:r>
-                        <a:rPr lang="en-US" altLang="zh-CN" dirty="0"/>
+                        <a:rPr lang="en-US" altLang="zh-CN" sz="1400" dirty="0"/>
                         <a:t>            System.</a:t>
                       </a:r>
                       <a:r>
-                        <a:rPr lang="en-US" altLang="zh-CN" sz="1800" b="1" i="1" kern="1200" dirty="0">
+                        <a:rPr lang="en-US" altLang="zh-CN" sz="1400" b="1" i="1" kern="1200" dirty="0">
                           <a:solidFill>
                             <a:schemeClr val="dk1"/>
                           </a:solidFill>
@@ -7533,25 +7883,25 @@
                         <a:t>out</a:t>
                       </a:r>
                       <a:r>
-                        <a:rPr lang="en-US" altLang="zh-CN" dirty="0"/>
+                        <a:rPr lang="en-US" altLang="zh-CN" sz="1400" dirty="0"/>
                         <a:t>.println(layout.toPrintable());</a:t>
                       </a:r>
                       <a:br>
-                        <a:rPr lang="en-US" altLang="zh-CN" dirty="0"/>
+                        <a:rPr lang="en-US" altLang="zh-CN" sz="1400" dirty="0"/>
                       </a:br>
                       <a:r>
-                        <a:rPr lang="en-US" altLang="zh-CN" dirty="0"/>
+                        <a:rPr lang="en-US" altLang="zh-CN" sz="1400" dirty="0"/>
                         <a:t>        }</a:t>
                       </a:r>
                       <a:br>
-                        <a:rPr lang="en-US" altLang="zh-CN" dirty="0"/>
+                        <a:rPr lang="en-US" altLang="zh-CN" sz="1400" dirty="0"/>
                       </a:br>
                       <a:r>
-                        <a:rPr lang="en-US" altLang="zh-CN" dirty="0"/>
+                        <a:rPr lang="en-US" altLang="zh-CN" sz="1400" dirty="0"/>
                         <a:t>        System.</a:t>
                       </a:r>
                       <a:r>
-                        <a:rPr lang="en-US" altLang="zh-CN" sz="1800" b="1" i="1" kern="1200" dirty="0">
+                        <a:rPr lang="en-US" altLang="zh-CN" sz="1400" b="1" i="1" kern="1200" dirty="0">
                           <a:solidFill>
                             <a:schemeClr val="dk1"/>
                           </a:solidFill>
@@ -7563,11 +7913,11 @@
                         <a:t>out</a:t>
                       </a:r>
                       <a:r>
-                        <a:rPr lang="en-US" altLang="zh-CN" dirty="0"/>
+                        <a:rPr lang="en-US" altLang="zh-CN" sz="1400" dirty="0"/>
                         <a:t>.println(</a:t>
                       </a:r>
                       <a:r>
-                        <a:rPr lang="en-US" altLang="zh-CN" sz="1800" b="1" kern="1200" dirty="0">
+                        <a:rPr lang="en-US" altLang="zh-CN" sz="1400" b="1" kern="1200" dirty="0">
                           <a:solidFill>
                             <a:schemeClr val="dk1"/>
                           </a:solidFill>
@@ -7579,18 +7929,18 @@
                         <a:t>"**** After the lock"</a:t>
                       </a:r>
                       <a:r>
-                        <a:rPr lang="en-US" altLang="zh-CN" dirty="0"/>
+                        <a:rPr lang="en-US" altLang="zh-CN" sz="1400" dirty="0"/>
                         <a:t>);</a:t>
                       </a:r>
                       <a:br>
-                        <a:rPr lang="en-US" altLang="zh-CN" dirty="0"/>
+                        <a:rPr lang="en-US" altLang="zh-CN" sz="1400" dirty="0"/>
                       </a:br>
                       <a:r>
-                        <a:rPr lang="en-US" altLang="zh-CN" dirty="0"/>
+                        <a:rPr lang="en-US" altLang="zh-CN" sz="1400" dirty="0"/>
                         <a:t>        System.</a:t>
                       </a:r>
                       <a:r>
-                        <a:rPr lang="en-US" altLang="zh-CN" sz="1800" b="1" i="1" kern="1200" dirty="0">
+                        <a:rPr lang="en-US" altLang="zh-CN" sz="1400" b="1" i="1" kern="1200" dirty="0">
                           <a:solidFill>
                             <a:schemeClr val="dk1"/>
                           </a:solidFill>
@@ -7602,25 +7952,25 @@
                         <a:t>out</a:t>
                       </a:r>
                       <a:r>
-                        <a:rPr lang="en-US" altLang="zh-CN" dirty="0"/>
+                        <a:rPr lang="en-US" altLang="zh-CN" sz="1400" dirty="0"/>
                         <a:t>.println(layout.toPrintable());</a:t>
                       </a:r>
                       <a:br>
-                        <a:rPr lang="en-US" altLang="zh-CN" dirty="0"/>
+                        <a:rPr lang="en-US" altLang="zh-CN" sz="1400" dirty="0"/>
                       </a:br>
                       <a:r>
-                        <a:rPr lang="en-US" altLang="zh-CN" dirty="0"/>
+                        <a:rPr lang="en-US" altLang="zh-CN" sz="1400" dirty="0"/>
                         <a:t>    }</a:t>
                       </a:r>
                       <a:br>
-                        <a:rPr lang="en-US" altLang="zh-CN" dirty="0"/>
+                        <a:rPr lang="en-US" altLang="zh-CN" sz="1400" dirty="0"/>
                       </a:br>
                       <a:r>
-                        <a:rPr lang="en-US" altLang="zh-CN" dirty="0"/>
+                        <a:rPr lang="en-US" altLang="zh-CN" sz="1400" dirty="0"/>
                         <a:t>    </a:t>
                       </a:r>
                       <a:r>
-                        <a:rPr lang="en-US" altLang="zh-CN" sz="1800" b="1" kern="1200" dirty="0">
+                        <a:rPr lang="en-US" altLang="zh-CN" sz="1400" b="1" kern="1200" dirty="0">
                           <a:solidFill>
                             <a:schemeClr val="dk1"/>
                           </a:solidFill>
@@ -7632,11 +7982,11 @@
                         <a:t>public static class </a:t>
                       </a:r>
                       <a:r>
-                        <a:rPr lang="en-US" altLang="zh-CN" dirty="0"/>
+                        <a:rPr lang="en-US" altLang="zh-CN" sz="1400" dirty="0"/>
                         <a:t>A {</a:t>
                       </a:r>
                       <a:r>
-                        <a:rPr lang="en-US" altLang="zh-CN" sz="1800" i="1" kern="1200" dirty="0">
+                        <a:rPr lang="en-US" altLang="zh-CN" sz="1400" i="1" kern="1200" dirty="0">
                           <a:solidFill>
                             <a:schemeClr val="dk1"/>
                           </a:solidFill>
@@ -7648,7 +7998,7 @@
                         <a:t>// no fields</a:t>
                       </a:r>
                       <a:br>
-                        <a:rPr lang="en-US" altLang="zh-CN" sz="1800" i="1" kern="1200" dirty="0">
+                        <a:rPr lang="en-US" altLang="zh-CN" sz="1400" i="1" kern="1200" dirty="0">
                           <a:solidFill>
                             <a:schemeClr val="dk1"/>
                           </a:solidFill>
@@ -7659,7 +8009,7 @@
                         </a:rPr>
                       </a:br>
                       <a:r>
-                        <a:rPr lang="en-US" altLang="zh-CN" sz="1800" i="1" kern="1200" dirty="0">
+                        <a:rPr lang="en-US" altLang="zh-CN" sz="1400" i="1" kern="1200" dirty="0">
                           <a:solidFill>
                             <a:schemeClr val="dk1"/>
                           </a:solidFill>
@@ -7671,17 +8021,17 @@
                         <a:t>    </a:t>
                       </a:r>
                       <a:r>
-                        <a:rPr lang="en-US" altLang="zh-CN" dirty="0"/>
+                        <a:rPr lang="en-US" altLang="zh-CN" sz="1400" dirty="0"/>
                         <a:t>}</a:t>
                       </a:r>
                       <a:br>
-                        <a:rPr lang="en-US" altLang="zh-CN" dirty="0"/>
+                        <a:rPr lang="en-US" altLang="zh-CN" sz="1400" dirty="0"/>
                       </a:br>
                       <a:r>
-                        <a:rPr lang="en-US" altLang="zh-CN" dirty="0"/>
+                        <a:rPr lang="en-US" altLang="zh-CN" sz="1400" dirty="0"/>
                         <a:t>}</a:t>
                       </a:r>
-                      <a:endParaRPr lang="zh-CN" altLang="en-US" dirty="0"/>
+                      <a:endParaRPr lang="zh-CN" altLang="en-US" sz="1400" dirty="0"/>
                     </a:p>
                   </a:txBody>
                   <a:tcPr/>
@@ -7769,13 +8119,13 @@
           <p:nvPr>
             <p:extLst>
               <p:ext uri="{D42A27DB-BD31-4B8C-83A1-F6EECF244321}">
-                <p14:modId xmlns:p14="http://schemas.microsoft.com/office/powerpoint/2010/main" val="2277948352"/>
+                <p14:modId xmlns:p14="http://schemas.microsoft.com/office/powerpoint/2010/main" val="4183135649"/>
               </p:ext>
             </p:extLst>
           </p:nvPr>
         </p:nvGraphicFramePr>
         <p:xfrm>
-          <a:off x="5029201" y="1027906"/>
+          <a:off x="5246915" y="1256506"/>
           <a:ext cx="5649686" cy="5217160"/>
         </p:xfrm>
         <a:graphic>
@@ -7799,7 +8149,7 @@
                     <a:bodyPr/>
                     <a:lstStyle/>
                     <a:p>
-                      <a:endParaRPr lang="zh-CN" altLang="en-US"/>
+                      <a:endParaRPr lang="zh-CN" altLang="en-US" dirty="0"/>
                     </a:p>
                   </a:txBody>
                   <a:tcPr/>
@@ -8618,7 +8968,7 @@
           <a:lstStyle/>
           <a:p>
             <a:r>
-              <a:rPr kumimoji="1" lang="zh-CN" altLang="en-US"/>
+              <a:rPr kumimoji="1" lang="zh-CN" altLang="en-US" dirty="0"/>
               <a:t>读写锁</a:t>
             </a:r>
           </a:p>
@@ -8646,8 +8996,30 @@
           <a:lstStyle/>
           <a:p>
             <a:r>
-              <a:rPr kumimoji="1" lang="zh-CN" altLang="en-US"/>
+              <a:rPr kumimoji="1" lang="zh-CN" altLang="en-US" dirty="0"/>
               <a:t>分析锁升级的情景</a:t>
+            </a:r>
+            <a:endParaRPr kumimoji="1" lang="en-US" altLang="zh-CN" dirty="0"/>
+          </a:p>
+          <a:p>
+            <a:r>
+              <a:rPr lang="en-US" altLang="zh-CN" dirty="0" err="1"/>
+              <a:t>ReadWriteLock</a:t>
+            </a:r>
+            <a:r>
+              <a:rPr lang="zh-CN" altLang="en-US" dirty="0"/>
+              <a:t>接口</a:t>
+            </a:r>
+            <a:endParaRPr lang="en-US" altLang="zh-CN" dirty="0"/>
+          </a:p>
+          <a:p>
+            <a:r>
+              <a:rPr lang="en-US" altLang="zh-CN" dirty="0" err="1"/>
+              <a:t>ReentrantReadWriteLock</a:t>
+            </a:r>
+            <a:r>
+              <a:rPr lang="zh-CN" altLang="en-US" dirty="0"/>
+              <a:t>实现</a:t>
             </a:r>
             <a:endParaRPr kumimoji="1" lang="en-US" altLang="zh-CN" dirty="0"/>
           </a:p>
@@ -8657,7 +9029,7 @@
               <a:t>ReadLock, </a:t>
             </a:r>
             <a:r>
-              <a:rPr kumimoji="1" lang="zh-CN" altLang="en-US"/>
+              <a:rPr kumimoji="1" lang="zh-CN" altLang="en-US" dirty="0"/>
               <a:t>共享</a:t>
             </a:r>
             <a:endParaRPr kumimoji="1" lang="en-US" altLang="zh-CN" dirty="0"/>
@@ -8668,14 +9040,21 @@
               <a:t>WriteLock, </a:t>
             </a:r>
             <a:r>
-              <a:rPr kumimoji="1" lang="zh-CN" altLang="en-US"/>
+              <a:rPr kumimoji="1" lang="zh-CN" altLang="en-US" dirty="0"/>
               <a:t>排他</a:t>
             </a:r>
             <a:endParaRPr kumimoji="1" lang="en-US" altLang="zh-CN" dirty="0"/>
           </a:p>
           <a:p>
             <a:r>
-              <a:rPr kumimoji="1" lang="zh-CN" altLang="en-US"/>
+              <a:rPr kumimoji="1" lang="zh-CN" altLang="en-US" dirty="0"/>
+              <a:t>锁升级与降级</a:t>
+            </a:r>
+            <a:endParaRPr kumimoji="1" lang="en-US" altLang="zh-CN" dirty="0"/>
+          </a:p>
+          <a:p>
+            <a:r>
+              <a:rPr kumimoji="1" lang="zh-CN" altLang="en-US" dirty="0"/>
               <a:t>读锁</a:t>
             </a:r>
             <a:r>
@@ -8683,17 +9062,18 @@
               <a:t> -&gt; </a:t>
             </a:r>
             <a:r>
-              <a:rPr kumimoji="1" lang="zh-CN" altLang="en-US"/>
+              <a:rPr kumimoji="1" lang="zh-CN" altLang="en-US" dirty="0"/>
               <a:t>写锁</a:t>
             </a:r>
             <a:r>
-              <a:rPr kumimoji="1" lang="en-US" altLang="zh-CN" dirty="0"/>
+              <a:rPr kumimoji="1" lang="en-US" altLang="zh-CN"/>
               <a:t>?</a:t>
             </a:r>
-          </a:p>
-          <a:p>
-            <a:r>
-              <a:rPr kumimoji="1" lang="zh-CN" altLang="en-US"/>
+            <a:endParaRPr kumimoji="1" lang="en-US" altLang="zh-CN" dirty="0"/>
+          </a:p>
+          <a:p>
+            <a:r>
+              <a:rPr kumimoji="1" lang="zh-CN" altLang="en-US" dirty="0"/>
               <a:t>写锁</a:t>
             </a:r>
             <a:r>
@@ -8701,7 +9081,7 @@
               <a:t> -&gt; </a:t>
             </a:r>
             <a:r>
-              <a:rPr kumimoji="1" lang="zh-CN" altLang="en-US"/>
+              <a:rPr kumimoji="1" lang="zh-CN" altLang="en-US" dirty="0"/>
               <a:t>读锁</a:t>
             </a:r>
           </a:p>
